--- a/ICN-IP Coexistence Solutions.pptx
+++ b/ICN-IP Coexistence Solutions.pptx
@@ -8,6 +8,7 @@
     <p:sldId id="256" r:id="rId2"/>
     <p:sldId id="257" r:id="rId3"/>
     <p:sldId id="258" r:id="rId4"/>
+    <p:sldId id="260" r:id="rId5"/>
   </p:sldIdLst>
   <p:sldSz cx="12192000" cy="6858000"/>
   <p:notesSz cx="6858000" cy="9144000"/>
@@ -106,6 +107,11 @@
       </a:defRPr>
     </a:lvl9pPr>
   </p:defaultTextStyle>
+  <p:extLst>
+    <p:ext uri="{EFAFB233-063F-42B5-8137-9DF3F51BA10A}">
+      <p15:sldGuideLst xmlns:p15="http://schemas.microsoft.com/office/powerpoint/2012/main"/>
+    </p:ext>
+  </p:extLst>
 </p:presentation>
 </file>
 
@@ -5555,8 +5561,8 @@
         </p:nvSpPr>
         <p:spPr>
           <a:xfrm>
-            <a:off x="517869" y="978408"/>
-            <a:ext cx="8643885" cy="2450591"/>
+            <a:off x="517868" y="978407"/>
+            <a:ext cx="10570341" cy="5231517"/>
           </a:xfrm>
         </p:spPr>
         <p:txBody>
@@ -5565,14 +5571,115 @@
           </a:bodyPr>
           <a:lstStyle/>
           <a:p>
-            <a:pPr marL="285750" indent="-285750">
-              <a:buFont typeface="Wingdings" panose="05000000000000000000" pitchFamily="2" charset="2"/>
-              <a:buChar char="§"/>
-            </a:pPr>
+            <a:pPr algn="l"/>
             <a:r>
               <a:rPr lang="en-US" sz="1800" dirty="0"/>
-              <a:t> </a:t>
-            </a:r>
+              <a:t>What is ICN?</a:t>
+            </a:r>
+            <a:br>
+              <a:rPr lang="en-US" sz="1800" dirty="0"/>
+            </a:br>
+            <a:br>
+              <a:rPr lang="en-US" sz="1800" dirty="0"/>
+            </a:br>
+            <a:r>
+              <a:rPr lang="en-US" sz="1800" dirty="0"/>
+              <a:t>- </a:t>
+            </a:r>
+            <a:r>
+              <a:rPr lang="en-US" sz="1800" b="0" dirty="0"/>
+              <a:t>new network communication module which might replace the current one (host-centric to information-centric networking).</a:t>
+            </a:r>
+            <a:br>
+              <a:rPr lang="en-US" sz="1800" b="0" dirty="0"/>
+            </a:br>
+            <a:br>
+              <a:rPr lang="en-US" sz="1800" b="0" dirty="0"/>
+            </a:br>
+            <a:r>
+              <a:rPr lang="en-US" sz="1800" b="0" dirty="0"/>
+              <a:t>- instead of using IPs and DNS , they can send request only specifying only content names.</a:t>
+            </a:r>
+            <a:br>
+              <a:rPr lang="en-US" sz="1800" b="0" dirty="0"/>
+            </a:br>
+            <a:br>
+              <a:rPr lang="en-US" sz="1800" b="0" dirty="0"/>
+            </a:br>
+            <a:r>
+              <a:rPr lang="en-US" sz="1800" b="0" dirty="0"/>
+              <a:t>- </a:t>
+            </a:r>
+            <a:r>
+              <a:rPr lang="en-US" sz="1800" b="0" i="0" u="none" strike="noStrike" baseline="0" dirty="0">
+                <a:latin typeface="Times-Roman"/>
+              </a:rPr>
+              <a:t>This decoupling between request sending and content transferring introduces several benefits: </a:t>
+            </a:r>
+            <a:br>
+              <a:rPr lang="en-US" sz="1800" b="0" i="0" u="none" strike="noStrike" baseline="0" dirty="0">
+                <a:latin typeface="Times-Roman"/>
+              </a:rPr>
+            </a:br>
+            <a:r>
+              <a:rPr lang="en-US" sz="1800" b="0" i="0" u="none" strike="noStrike" baseline="0" dirty="0">
+                <a:latin typeface="Times-Roman"/>
+              </a:rPr>
+              <a:t>      reduction of latency and network load due to </a:t>
+            </a:r>
+            <a:r>
+              <a:rPr lang="en-US" sz="1800" b="0" i="0" u="none" strike="noStrike" baseline="0" dirty="0" err="1">
+                <a:latin typeface="Times-Roman"/>
+              </a:rPr>
+              <a:t>innetwork</a:t>
+            </a:r>
+            <a:r>
+              <a:rPr lang="en-US" sz="1800" b="0" i="0" u="none" strike="noStrike" baseline="0" dirty="0">
+                <a:latin typeface="Times-Roman"/>
+              </a:rPr>
+              <a:t>  caching, inherent content integrity</a:t>
+            </a:r>
+            <a:br>
+              <a:rPr lang="en-US" sz="1800" b="0" i="0" u="none" strike="noStrike" baseline="0" dirty="0">
+                <a:latin typeface="Times-Roman"/>
+              </a:rPr>
+            </a:br>
+            <a:r>
+              <a:rPr lang="en-US" sz="1800" b="0" i="0" u="none" strike="noStrike" baseline="0" dirty="0">
+                <a:latin typeface="Times-Roman"/>
+              </a:rPr>
+              <a:t>      and better support for mobility due to name-based  routing.</a:t>
+            </a:r>
+            <a:br>
+              <a:rPr lang="en-US" sz="1800" b="0" i="0" u="none" strike="noStrike" baseline="0" dirty="0">
+                <a:latin typeface="Times-Roman"/>
+              </a:rPr>
+            </a:br>
+            <a:br>
+              <a:rPr lang="en-US" sz="1800" b="0" i="0" u="none" strike="noStrike" baseline="0" dirty="0">
+                <a:latin typeface="Times-Roman"/>
+              </a:rPr>
+            </a:br>
+            <a:r>
+              <a:rPr lang="en-US" sz="1800" b="0" i="0" u="none" strike="noStrike" baseline="0" dirty="0">
+                <a:latin typeface="Times-Roman"/>
+              </a:rPr>
+              <a:t>- ICN is suitable networking model for emerging technologies, such as (IoT) and 5G. (in-network caching feature)</a:t>
+            </a:r>
+            <a:br>
+              <a:rPr lang="en-US" sz="1800" b="0" i="0" u="none" strike="noStrike" baseline="0" dirty="0">
+                <a:latin typeface="Times-Roman"/>
+              </a:rPr>
+            </a:br>
+            <a:br>
+              <a:rPr lang="en-US" sz="1800" b="0" i="0" u="none" strike="noStrike" baseline="0" dirty="0">
+                <a:latin typeface="Times-Roman"/>
+              </a:rPr>
+            </a:br>
+            <a:br>
+              <a:rPr lang="en-US" sz="1800" b="0" dirty="0"/>
+            </a:br>
+            <a:endParaRPr lang="en-US" sz="1800" dirty="0"/>
           </a:p>
         </p:txBody>
       </p:sp>
@@ -5580,6 +5687,847 @@
     <p:extLst>
       <p:ext uri="{BB962C8B-B14F-4D97-AF65-F5344CB8AC3E}">
         <p14:creationId xmlns:p14="http://schemas.microsoft.com/office/powerpoint/2010/main" val="3159753359"/>
+      </p:ext>
+    </p:extLst>
+  </p:cSld>
+  <p:clrMapOvr>
+    <a:masterClrMapping/>
+  </p:clrMapOvr>
+</p:sld>
+</file>
+
+<file path=ppt/slides/slide4.xml><?xml version="1.0" encoding="utf-8"?>
+<p:sld xmlns:a="http://schemas.openxmlformats.org/drawingml/2006/main" xmlns:r="http://schemas.openxmlformats.org/officeDocument/2006/relationships" xmlns:p="http://schemas.openxmlformats.org/presentationml/2006/main">
+  <p:cSld>
+    <p:bg>
+      <p:bgPr>
+        <a:solidFill>
+          <a:schemeClr val="bg1"/>
+        </a:solidFill>
+        <a:effectLst/>
+      </p:bgPr>
+    </p:bg>
+    <p:spTree>
+      <p:nvGrpSpPr>
+        <p:cNvPr id="1" name=""/>
+        <p:cNvGrpSpPr/>
+        <p:nvPr/>
+      </p:nvGrpSpPr>
+      <p:grpSpPr>
+        <a:xfrm>
+          <a:off x="0" y="0"/>
+          <a:ext cx="0" cy="0"/>
+          <a:chOff x="0" y="0"/>
+          <a:chExt cx="0" cy="0"/>
+        </a:xfrm>
+      </p:grpSpPr>
+      <p:sp>
+        <p:nvSpPr>
+          <p:cNvPr id="23" name="Rectangle 11">
+            <a:extLst>
+              <a:ext uri="{FF2B5EF4-FFF2-40B4-BE49-F238E27FC236}">
+                <a16:creationId xmlns:a16="http://schemas.microsoft.com/office/drawing/2014/main" id="{ADE57300-C7FF-4578-99A0-42B0295B123C}"/>
+              </a:ext>
+              <a:ext uri="{C183D7F6-B498-43B3-948B-1728B52AA6E4}">
+                <adec:decorative xmlns:adec="http://schemas.microsoft.com/office/drawing/2017/decorative" val="1"/>
+              </a:ext>
+            </a:extLst>
+          </p:cNvPr>
+          <p:cNvSpPr>
+            <a:spLocks noGrp="1" noRot="1" noChangeAspect="1" noMove="1" noResize="1" noEditPoints="1" noAdjustHandles="1" noChangeArrowheads="1" noChangeShapeType="1" noTextEdit="1"/>
+          </p:cNvSpPr>
+          <p:nvPr>
+            <p:extLst>
+              <p:ext uri="{386F3935-93C4-4BCD-93E2-E3B085C9AB24}">
+                <p16:designElem xmlns:p16="http://schemas.microsoft.com/office/powerpoint/2015/main" val="1"/>
+              </p:ext>
+            </p:extLst>
+          </p:nvPr>
+        </p:nvSpPr>
+        <p:spPr>
+          <a:xfrm>
+            <a:off x="517870" y="508090"/>
+            <a:ext cx="5021183" cy="149279"/>
+          </a:xfrm>
+          <a:prstGeom prst="rect">
+            <a:avLst/>
+          </a:prstGeom>
+          <a:solidFill>
+            <a:schemeClr val="tx1"/>
+          </a:solidFill>
+          <a:ln>
+            <a:noFill/>
+          </a:ln>
+        </p:spPr>
+        <p:style>
+          <a:lnRef idx="2">
+            <a:schemeClr val="accent1">
+              <a:shade val="50000"/>
+            </a:schemeClr>
+          </a:lnRef>
+          <a:fillRef idx="1">
+            <a:schemeClr val="accent1"/>
+          </a:fillRef>
+          <a:effectRef idx="0">
+            <a:schemeClr val="accent1"/>
+          </a:effectRef>
+          <a:fontRef idx="minor">
+            <a:schemeClr val="lt1"/>
+          </a:fontRef>
+        </p:style>
+        <p:txBody>
+          <a:bodyPr rtlCol="0" anchor="ctr"/>
+          <a:lstStyle/>
+          <a:p>
+            <a:pPr marL="0" marR="0" lvl="0" indent="0" algn="ctr" defTabSz="914400" rtl="0" eaLnBrk="1" fontAlgn="auto" latinLnBrk="0" hangingPunct="1">
+              <a:lnSpc>
+                <a:spcPct val="100000"/>
+              </a:lnSpc>
+              <a:spcBef>
+                <a:spcPts val="0"/>
+              </a:spcBef>
+              <a:spcAft>
+                <a:spcPts val="0"/>
+              </a:spcAft>
+              <a:buClrTx/>
+              <a:buSzTx/>
+              <a:buFontTx/>
+              <a:buNone/>
+              <a:tabLst/>
+              <a:defRPr/>
+            </a:pPr>
+            <a:endParaRPr kumimoji="0" lang="en-US" sz="1800" b="0" i="0" u="none" strike="noStrike" kern="1200" cap="none" spc="0" normalizeH="0" baseline="0" noProof="0">
+              <a:ln>
+                <a:noFill/>
+              </a:ln>
+              <a:solidFill>
+                <a:srgbClr val="FFFFFF"/>
+              </a:solidFill>
+              <a:effectLst/>
+              <a:uLnTx/>
+              <a:uFillTx/>
+              <a:latin typeface="Bierstadt"/>
+              <a:ea typeface="+mn-ea"/>
+              <a:cs typeface="+mn-cs"/>
+            </a:endParaRPr>
+          </a:p>
+        </p:txBody>
+      </p:sp>
+      <p:sp>
+        <p:nvSpPr>
+          <p:cNvPr id="25" name="Rectangle 13">
+            <a:extLst>
+              <a:ext uri="{FF2B5EF4-FFF2-40B4-BE49-F238E27FC236}">
+                <a16:creationId xmlns:a16="http://schemas.microsoft.com/office/drawing/2014/main" id="{DB8F8250-7A81-4A19-87AD-FFB2CE4E39A5}"/>
+              </a:ext>
+              <a:ext uri="{C183D7F6-B498-43B3-948B-1728B52AA6E4}">
+                <adec:decorative xmlns:adec="http://schemas.microsoft.com/office/drawing/2017/decorative" val="1"/>
+              </a:ext>
+            </a:extLst>
+          </p:cNvPr>
+          <p:cNvSpPr>
+            <a:spLocks noGrp="1" noRot="1" noChangeAspect="1" noMove="1" noResize="1" noEditPoints="1" noAdjustHandles="1" noChangeArrowheads="1" noChangeShapeType="1" noTextEdit="1"/>
+          </p:cNvSpPr>
+          <p:nvPr>
+            <p:extLst>
+              <p:ext uri="{386F3935-93C4-4BCD-93E2-E3B085C9AB24}">
+                <p16:designElem xmlns:p16="http://schemas.microsoft.com/office/powerpoint/2015/main" val="1"/>
+              </p:ext>
+            </p:extLst>
+          </p:nvPr>
+        </p:nvSpPr>
+        <p:spPr>
+          <a:xfrm>
+            <a:off x="517870" y="508090"/>
+            <a:ext cx="5021183" cy="149279"/>
+          </a:xfrm>
+          <a:prstGeom prst="rect">
+            <a:avLst/>
+          </a:prstGeom>
+          <a:solidFill>
+            <a:schemeClr val="tx1"/>
+          </a:solidFill>
+          <a:ln>
+            <a:noFill/>
+          </a:ln>
+        </p:spPr>
+        <p:style>
+          <a:lnRef idx="2">
+            <a:schemeClr val="accent1">
+              <a:shade val="50000"/>
+            </a:schemeClr>
+          </a:lnRef>
+          <a:fillRef idx="1">
+            <a:schemeClr val="accent1"/>
+          </a:fillRef>
+          <a:effectRef idx="0">
+            <a:schemeClr val="accent1"/>
+          </a:effectRef>
+          <a:fontRef idx="minor">
+            <a:schemeClr val="lt1"/>
+          </a:fontRef>
+        </p:style>
+        <p:txBody>
+          <a:bodyPr rtlCol="0" anchor="ctr"/>
+          <a:lstStyle/>
+          <a:p>
+            <a:pPr marL="0" marR="0" lvl="0" indent="0" algn="ctr" defTabSz="914400" rtl="0" eaLnBrk="1" fontAlgn="auto" latinLnBrk="0" hangingPunct="1">
+              <a:lnSpc>
+                <a:spcPct val="100000"/>
+              </a:lnSpc>
+              <a:spcBef>
+                <a:spcPts val="0"/>
+              </a:spcBef>
+              <a:spcAft>
+                <a:spcPts val="0"/>
+              </a:spcAft>
+              <a:buClrTx/>
+              <a:buSzTx/>
+              <a:buFontTx/>
+              <a:buNone/>
+              <a:tabLst/>
+              <a:defRPr/>
+            </a:pPr>
+            <a:endParaRPr kumimoji="0" lang="en-US" sz="1800" b="0" i="0" u="none" strike="noStrike" kern="1200" cap="none" spc="0" normalizeH="0" baseline="0" noProof="0">
+              <a:ln>
+                <a:noFill/>
+              </a:ln>
+              <a:solidFill>
+                <a:srgbClr val="FFFFFF"/>
+              </a:solidFill>
+              <a:effectLst/>
+              <a:uLnTx/>
+              <a:uFillTx/>
+              <a:latin typeface="Bierstadt"/>
+              <a:ea typeface="+mn-ea"/>
+              <a:cs typeface="+mn-cs"/>
+            </a:endParaRPr>
+          </a:p>
+        </p:txBody>
+      </p:sp>
+      <p:sp>
+        <p:nvSpPr>
+          <p:cNvPr id="26" name="Rectangle 15">
+            <a:extLst>
+              <a:ext uri="{FF2B5EF4-FFF2-40B4-BE49-F238E27FC236}">
+                <a16:creationId xmlns:a16="http://schemas.microsoft.com/office/drawing/2014/main" id="{F3FF94B3-6D3E-44FE-BB02-A9027C0003C7}"/>
+              </a:ext>
+              <a:ext uri="{C183D7F6-B498-43B3-948B-1728B52AA6E4}">
+                <adec:decorative xmlns:adec="http://schemas.microsoft.com/office/drawing/2017/decorative" val="1"/>
+              </a:ext>
+            </a:extLst>
+          </p:cNvPr>
+          <p:cNvSpPr>
+            <a:spLocks noGrp="1" noRot="1" noChangeAspect="1" noMove="1" noResize="1" noEditPoints="1" noAdjustHandles="1" noChangeArrowheads="1" noChangeShapeType="1" noTextEdit="1"/>
+          </p:cNvSpPr>
+          <p:nvPr>
+            <p:extLst>
+              <p:ext uri="{386F3935-93C4-4BCD-93E2-E3B085C9AB24}">
+                <p16:designElem xmlns:p16="http://schemas.microsoft.com/office/powerpoint/2015/main" val="1"/>
+              </p:ext>
+            </p:extLst>
+          </p:nvPr>
+        </p:nvSpPr>
+        <p:spPr>
+          <a:xfrm>
+            <a:off x="6662168" y="6209925"/>
+            <a:ext cx="5021183" cy="45719"/>
+          </a:xfrm>
+          <a:prstGeom prst="rect">
+            <a:avLst/>
+          </a:prstGeom>
+          <a:solidFill>
+            <a:schemeClr val="tx1"/>
+          </a:solidFill>
+          <a:ln>
+            <a:noFill/>
+          </a:ln>
+        </p:spPr>
+        <p:style>
+          <a:lnRef idx="2">
+            <a:schemeClr val="accent1">
+              <a:shade val="50000"/>
+            </a:schemeClr>
+          </a:lnRef>
+          <a:fillRef idx="1">
+            <a:schemeClr val="accent1"/>
+          </a:fillRef>
+          <a:effectRef idx="0">
+            <a:schemeClr val="accent1"/>
+          </a:effectRef>
+          <a:fontRef idx="minor">
+            <a:schemeClr val="lt1"/>
+          </a:fontRef>
+        </p:style>
+        <p:txBody>
+          <a:bodyPr rtlCol="0" anchor="ctr"/>
+          <a:lstStyle/>
+          <a:p>
+            <a:pPr marL="0" marR="0" lvl="0" indent="0" algn="ctr" defTabSz="914400" rtl="0" eaLnBrk="1" fontAlgn="auto" latinLnBrk="0" hangingPunct="1">
+              <a:lnSpc>
+                <a:spcPct val="100000"/>
+              </a:lnSpc>
+              <a:spcBef>
+                <a:spcPts val="0"/>
+              </a:spcBef>
+              <a:spcAft>
+                <a:spcPts val="0"/>
+              </a:spcAft>
+              <a:buClrTx/>
+              <a:buSzTx/>
+              <a:buFontTx/>
+              <a:buNone/>
+              <a:tabLst/>
+              <a:defRPr/>
+            </a:pPr>
+            <a:endParaRPr kumimoji="0" lang="en-US" sz="1800" b="0" i="0" u="none" strike="noStrike" kern="1200" cap="none" spc="0" normalizeH="0" baseline="0" noProof="0">
+              <a:ln>
+                <a:noFill/>
+              </a:ln>
+              <a:solidFill>
+                <a:srgbClr val="FFFFFF"/>
+              </a:solidFill>
+              <a:effectLst/>
+              <a:uLnTx/>
+              <a:uFillTx/>
+              <a:latin typeface="Bierstadt"/>
+              <a:ea typeface="+mn-ea"/>
+              <a:cs typeface="+mn-cs"/>
+            </a:endParaRPr>
+          </a:p>
+        </p:txBody>
+      </p:sp>
+      <p:sp useBgFill="1">
+        <p:nvSpPr>
+          <p:cNvPr id="27" name="Rectangle 17">
+            <a:extLst>
+              <a:ext uri="{FF2B5EF4-FFF2-40B4-BE49-F238E27FC236}">
+                <a16:creationId xmlns:a16="http://schemas.microsoft.com/office/drawing/2014/main" id="{E20BB609-EF92-42DB-836C-0699A590B5CF}"/>
+              </a:ext>
+              <a:ext uri="{C183D7F6-B498-43B3-948B-1728B52AA6E4}">
+                <adec:decorative xmlns:adec="http://schemas.microsoft.com/office/drawing/2017/decorative" val="1"/>
+              </a:ext>
+            </a:extLst>
+          </p:cNvPr>
+          <p:cNvSpPr>
+            <a:spLocks noGrp="1" noRot="1" noChangeAspect="1" noMove="1" noResize="1" noEditPoints="1" noAdjustHandles="1" noChangeArrowheads="1" noChangeShapeType="1" noTextEdit="1"/>
+          </p:cNvSpPr>
+          <p:nvPr>
+            <p:extLst>
+              <p:ext uri="{386F3935-93C4-4BCD-93E2-E3B085C9AB24}">
+                <p16:designElem xmlns:p16="http://schemas.microsoft.com/office/powerpoint/2015/main" val="1"/>
+              </p:ext>
+            </p:extLst>
+          </p:nvPr>
+        </p:nvSpPr>
+        <p:spPr>
+          <a:xfrm>
+            <a:off x="0" y="0"/>
+            <a:ext cx="12192000" cy="6858001"/>
+          </a:xfrm>
+          <a:prstGeom prst="rect">
+            <a:avLst/>
+          </a:prstGeom>
+          <a:ln>
+            <a:noFill/>
+          </a:ln>
+        </p:spPr>
+        <p:style>
+          <a:lnRef idx="2">
+            <a:schemeClr val="accent1">
+              <a:shade val="50000"/>
+            </a:schemeClr>
+          </a:lnRef>
+          <a:fillRef idx="1">
+            <a:schemeClr val="accent1"/>
+          </a:fillRef>
+          <a:effectRef idx="0">
+            <a:schemeClr val="accent1"/>
+          </a:effectRef>
+          <a:fontRef idx="minor">
+            <a:schemeClr val="lt1"/>
+          </a:fontRef>
+        </p:style>
+        <p:txBody>
+          <a:bodyPr rtlCol="0" anchor="ctr"/>
+          <a:lstStyle/>
+          <a:p>
+            <a:pPr marL="0" marR="0" lvl="0" indent="0" algn="ctr" defTabSz="914400" rtl="0" eaLnBrk="1" fontAlgn="auto" latinLnBrk="0" hangingPunct="1">
+              <a:lnSpc>
+                <a:spcPct val="100000"/>
+              </a:lnSpc>
+              <a:spcBef>
+                <a:spcPts val="0"/>
+              </a:spcBef>
+              <a:spcAft>
+                <a:spcPts val="0"/>
+              </a:spcAft>
+              <a:buClrTx/>
+              <a:buSzTx/>
+              <a:buFontTx/>
+              <a:buNone/>
+              <a:tabLst/>
+              <a:defRPr/>
+            </a:pPr>
+            <a:endParaRPr kumimoji="0" lang="en-US" sz="1800" b="0" i="0" u="none" strike="noStrike" kern="1200" cap="none" spc="0" normalizeH="0" baseline="0" noProof="0" dirty="0">
+              <a:ln>
+                <a:noFill/>
+              </a:ln>
+              <a:solidFill>
+                <a:srgbClr val="FFFFFF"/>
+              </a:solidFill>
+              <a:effectLst/>
+              <a:uLnTx/>
+              <a:uFillTx/>
+              <a:latin typeface="Bierstadt"/>
+              <a:ea typeface="+mn-ea"/>
+              <a:cs typeface="+mn-cs"/>
+            </a:endParaRPr>
+          </a:p>
+        </p:txBody>
+      </p:sp>
+      <p:sp>
+        <p:nvSpPr>
+          <p:cNvPr id="28" name="Rectangle 19">
+            <a:extLst>
+              <a:ext uri="{FF2B5EF4-FFF2-40B4-BE49-F238E27FC236}">
+                <a16:creationId xmlns:a16="http://schemas.microsoft.com/office/drawing/2014/main" id="{421EDC21-3D08-490A-844B-25347DAF1F87}"/>
+              </a:ext>
+              <a:ext uri="{C183D7F6-B498-43B3-948B-1728B52AA6E4}">
+                <adec:decorative xmlns:adec="http://schemas.microsoft.com/office/drawing/2017/decorative" val="1"/>
+              </a:ext>
+            </a:extLst>
+          </p:cNvPr>
+          <p:cNvSpPr>
+            <a:spLocks noGrp="1" noRot="1" noChangeAspect="1" noMove="1" noResize="1" noEditPoints="1" noAdjustHandles="1" noChangeArrowheads="1" noChangeShapeType="1" noTextEdit="1"/>
+          </p:cNvSpPr>
+          <p:nvPr>
+            <p:extLst>
+              <p:ext uri="{386F3935-93C4-4BCD-93E2-E3B085C9AB24}">
+                <p16:designElem xmlns:p16="http://schemas.microsoft.com/office/powerpoint/2015/main" val="1"/>
+              </p:ext>
+            </p:extLst>
+          </p:nvPr>
+        </p:nvSpPr>
+        <p:spPr>
+          <a:xfrm>
+            <a:off x="0" y="5"/>
+            <a:ext cx="12192000" cy="6857995"/>
+          </a:xfrm>
+          <a:prstGeom prst="rect">
+            <a:avLst/>
+          </a:prstGeom>
+          <a:solidFill>
+            <a:schemeClr val="accent1"/>
+          </a:solidFill>
+          <a:ln>
+            <a:noFill/>
+          </a:ln>
+        </p:spPr>
+        <p:style>
+          <a:lnRef idx="2">
+            <a:schemeClr val="accent1">
+              <a:shade val="50000"/>
+            </a:schemeClr>
+          </a:lnRef>
+          <a:fillRef idx="1">
+            <a:schemeClr val="accent1"/>
+          </a:fillRef>
+          <a:effectRef idx="0">
+            <a:schemeClr val="accent1"/>
+          </a:effectRef>
+          <a:fontRef idx="minor">
+            <a:schemeClr val="lt1"/>
+          </a:fontRef>
+        </p:style>
+        <p:txBody>
+          <a:bodyPr rtlCol="0" anchor="ctr"/>
+          <a:lstStyle/>
+          <a:p>
+            <a:pPr marL="0" marR="0" lvl="0" indent="0" algn="ctr" defTabSz="914400" rtl="0" eaLnBrk="1" fontAlgn="auto" latinLnBrk="0" hangingPunct="1">
+              <a:lnSpc>
+                <a:spcPct val="100000"/>
+              </a:lnSpc>
+              <a:spcBef>
+                <a:spcPts val="0"/>
+              </a:spcBef>
+              <a:spcAft>
+                <a:spcPts val="0"/>
+              </a:spcAft>
+              <a:buClrTx/>
+              <a:buSzTx/>
+              <a:buFontTx/>
+              <a:buNone/>
+              <a:tabLst/>
+              <a:defRPr/>
+            </a:pPr>
+            <a:endParaRPr kumimoji="0" lang="en-US" sz="1800" b="0" i="0" u="none" strike="noStrike" kern="1200" cap="none" spc="0" normalizeH="0" baseline="0" noProof="0" dirty="0">
+              <a:ln>
+                <a:noFill/>
+              </a:ln>
+              <a:solidFill>
+                <a:srgbClr val="FFFFFF"/>
+              </a:solidFill>
+              <a:effectLst/>
+              <a:uLnTx/>
+              <a:uFillTx/>
+              <a:latin typeface="Bierstadt"/>
+              <a:ea typeface="+mn-ea"/>
+              <a:cs typeface="+mn-cs"/>
+            </a:endParaRPr>
+          </a:p>
+        </p:txBody>
+      </p:sp>
+      <p:sp>
+        <p:nvSpPr>
+          <p:cNvPr id="22" name="Rectangle 21">
+            <a:extLst>
+              <a:ext uri="{FF2B5EF4-FFF2-40B4-BE49-F238E27FC236}">
+                <a16:creationId xmlns:a16="http://schemas.microsoft.com/office/drawing/2014/main" id="{B2C335F7-F61C-4EB4-80F2-4B1438FE66BB}"/>
+              </a:ext>
+              <a:ext uri="{C183D7F6-B498-43B3-948B-1728B52AA6E4}">
+                <adec:decorative xmlns:adec="http://schemas.microsoft.com/office/drawing/2017/decorative" val="1"/>
+              </a:ext>
+            </a:extLst>
+          </p:cNvPr>
+          <p:cNvSpPr>
+            <a:spLocks noGrp="1" noRot="1" noChangeAspect="1" noMove="1" noResize="1" noEditPoints="1" noAdjustHandles="1" noChangeArrowheads="1" noChangeShapeType="1" noTextEdit="1"/>
+          </p:cNvSpPr>
+          <p:nvPr>
+            <p:extLst>
+              <p:ext uri="{386F3935-93C4-4BCD-93E2-E3B085C9AB24}">
+                <p16:designElem xmlns:p16="http://schemas.microsoft.com/office/powerpoint/2015/main" val="1"/>
+              </p:ext>
+            </p:extLst>
+          </p:nvPr>
+        </p:nvSpPr>
+        <p:spPr>
+          <a:xfrm>
+            <a:off x="517870" y="508090"/>
+            <a:ext cx="5021183" cy="149279"/>
+          </a:xfrm>
+          <a:prstGeom prst="rect">
+            <a:avLst/>
+          </a:prstGeom>
+          <a:solidFill>
+            <a:srgbClr val="000000"/>
+          </a:solidFill>
+          <a:ln>
+            <a:noFill/>
+          </a:ln>
+        </p:spPr>
+        <p:style>
+          <a:lnRef idx="2">
+            <a:schemeClr val="accent1">
+              <a:shade val="50000"/>
+            </a:schemeClr>
+          </a:lnRef>
+          <a:fillRef idx="1">
+            <a:schemeClr val="accent1"/>
+          </a:fillRef>
+          <a:effectRef idx="0">
+            <a:schemeClr val="accent1"/>
+          </a:effectRef>
+          <a:fontRef idx="minor">
+            <a:schemeClr val="lt1"/>
+          </a:fontRef>
+        </p:style>
+        <p:txBody>
+          <a:bodyPr rtlCol="0" anchor="ctr"/>
+          <a:lstStyle/>
+          <a:p>
+            <a:pPr marL="0" marR="0" lvl="0" indent="0" algn="ctr" defTabSz="914400" rtl="0" eaLnBrk="1" fontAlgn="auto" latinLnBrk="0" hangingPunct="1">
+              <a:lnSpc>
+                <a:spcPct val="100000"/>
+              </a:lnSpc>
+              <a:spcBef>
+                <a:spcPts val="0"/>
+              </a:spcBef>
+              <a:spcAft>
+                <a:spcPts val="0"/>
+              </a:spcAft>
+              <a:buClrTx/>
+              <a:buSzTx/>
+              <a:buFontTx/>
+              <a:buNone/>
+              <a:tabLst/>
+              <a:defRPr/>
+            </a:pPr>
+            <a:endParaRPr kumimoji="0" lang="en-US" sz="1800" b="0" i="0" u="none" strike="noStrike" kern="1200" cap="none" spc="0" normalizeH="0" baseline="0" noProof="0">
+              <a:ln>
+                <a:noFill/>
+              </a:ln>
+              <a:solidFill>
+                <a:srgbClr val="FFFFFF"/>
+              </a:solidFill>
+              <a:effectLst/>
+              <a:uLnTx/>
+              <a:uFillTx/>
+              <a:latin typeface="Bierstadt"/>
+              <a:ea typeface="+mn-ea"/>
+              <a:cs typeface="+mn-cs"/>
+            </a:endParaRPr>
+          </a:p>
+        </p:txBody>
+      </p:sp>
+      <p:sp>
+        <p:nvSpPr>
+          <p:cNvPr id="24" name="Rectangle 23">
+            <a:extLst>
+              <a:ext uri="{FF2B5EF4-FFF2-40B4-BE49-F238E27FC236}">
+                <a16:creationId xmlns:a16="http://schemas.microsoft.com/office/drawing/2014/main" id="{F1189494-2B67-46D2-93D6-A122A09BF6B2}"/>
+              </a:ext>
+              <a:ext uri="{C183D7F6-B498-43B3-948B-1728B52AA6E4}">
+                <adec:decorative xmlns:adec="http://schemas.microsoft.com/office/drawing/2017/decorative" val="1"/>
+              </a:ext>
+            </a:extLst>
+          </p:cNvPr>
+          <p:cNvSpPr>
+            <a:spLocks noGrp="1" noRot="1" noChangeAspect="1" noMove="1" noResize="1" noEditPoints="1" noAdjustHandles="1" noChangeArrowheads="1" noChangeShapeType="1" noTextEdit="1"/>
+          </p:cNvSpPr>
+          <p:nvPr>
+            <p:extLst>
+              <p:ext uri="{386F3935-93C4-4BCD-93E2-E3B085C9AB24}">
+                <p16:designElem xmlns:p16="http://schemas.microsoft.com/office/powerpoint/2015/main" val="1"/>
+              </p:ext>
+            </p:extLst>
+          </p:nvPr>
+        </p:nvSpPr>
+        <p:spPr>
+          <a:xfrm>
+            <a:off x="6662168" y="6209925"/>
+            <a:ext cx="5021183" cy="45719"/>
+          </a:xfrm>
+          <a:prstGeom prst="rect">
+            <a:avLst/>
+          </a:prstGeom>
+          <a:solidFill>
+            <a:srgbClr val="000000"/>
+          </a:solidFill>
+          <a:ln>
+            <a:noFill/>
+          </a:ln>
+        </p:spPr>
+        <p:style>
+          <a:lnRef idx="2">
+            <a:schemeClr val="accent1">
+              <a:shade val="50000"/>
+            </a:schemeClr>
+          </a:lnRef>
+          <a:fillRef idx="1">
+            <a:schemeClr val="accent1"/>
+          </a:fillRef>
+          <a:effectRef idx="0">
+            <a:schemeClr val="accent1"/>
+          </a:effectRef>
+          <a:fontRef idx="minor">
+            <a:schemeClr val="lt1"/>
+          </a:fontRef>
+        </p:style>
+        <p:txBody>
+          <a:bodyPr rtlCol="0" anchor="ctr"/>
+          <a:lstStyle/>
+          <a:p>
+            <a:pPr marL="0" marR="0" lvl="0" indent="0" algn="ctr" defTabSz="914400" rtl="0" eaLnBrk="1" fontAlgn="auto" latinLnBrk="0" hangingPunct="1">
+              <a:lnSpc>
+                <a:spcPct val="100000"/>
+              </a:lnSpc>
+              <a:spcBef>
+                <a:spcPts val="0"/>
+              </a:spcBef>
+              <a:spcAft>
+                <a:spcPts val="0"/>
+              </a:spcAft>
+              <a:buClrTx/>
+              <a:buSzTx/>
+              <a:buFontTx/>
+              <a:buNone/>
+              <a:tabLst/>
+              <a:defRPr/>
+            </a:pPr>
+            <a:endParaRPr kumimoji="0" lang="en-US" sz="1800" b="0" i="0" u="none" strike="noStrike" kern="1200" cap="none" spc="0" normalizeH="0" baseline="0" noProof="0">
+              <a:ln>
+                <a:noFill/>
+              </a:ln>
+              <a:solidFill>
+                <a:srgbClr val="FFFFFF"/>
+              </a:solidFill>
+              <a:effectLst/>
+              <a:uLnTx/>
+              <a:uFillTx/>
+              <a:latin typeface="Bierstadt"/>
+              <a:ea typeface="+mn-ea"/>
+              <a:cs typeface="+mn-cs"/>
+            </a:endParaRPr>
+          </a:p>
+        </p:txBody>
+      </p:sp>
+      <p:sp>
+        <p:nvSpPr>
+          <p:cNvPr id="3" name="Title 2">
+            <a:extLst>
+              <a:ext uri="{FF2B5EF4-FFF2-40B4-BE49-F238E27FC236}">
+                <a16:creationId xmlns:a16="http://schemas.microsoft.com/office/drawing/2014/main" id="{54796789-F099-45A2-AD5D-0C17055644D8}"/>
+              </a:ext>
+            </a:extLst>
+          </p:cNvPr>
+          <p:cNvSpPr>
+            <a:spLocks noGrp="1"/>
+          </p:cNvSpPr>
+          <p:nvPr>
+            <p:ph type="title"/>
+          </p:nvPr>
+        </p:nvSpPr>
+        <p:spPr>
+          <a:xfrm>
+            <a:off x="517868" y="978408"/>
+            <a:ext cx="10756773" cy="5140080"/>
+          </a:xfrm>
+        </p:spPr>
+        <p:txBody>
+          <a:bodyPr>
+            <a:normAutofit fontScale="90000"/>
+          </a:bodyPr>
+          <a:lstStyle/>
+          <a:p>
+            <a:pPr algn="l"/>
+            <a:r>
+              <a:rPr lang="en-US" sz="1800" dirty="0"/>
+              <a:t>Why ICN?</a:t>
+            </a:r>
+            <a:br>
+              <a:rPr lang="en-US" sz="1800" dirty="0"/>
+            </a:br>
+            <a:br>
+              <a:rPr lang="en-US" sz="1800" dirty="0"/>
+            </a:br>
+            <a:r>
+              <a:rPr lang="en-US" sz="1800" dirty="0"/>
+              <a:t>- </a:t>
+            </a:r>
+            <a:r>
+              <a:rPr lang="en-US" sz="1800" b="0" i="0" u="none" strike="noStrike" baseline="0" dirty="0">
+                <a:latin typeface="Times-Roman"/>
+              </a:rPr>
+              <a:t>5G-ICN provides a single protocol able to handle mobility and security, instead of using a diverse</a:t>
+            </a:r>
+            <a:br>
+              <a:rPr lang="en-US" sz="1800" b="0" i="0" u="none" strike="noStrike" baseline="0" dirty="0">
+                <a:latin typeface="Times-Roman"/>
+              </a:rPr>
+            </a:br>
+            <a:r>
+              <a:rPr lang="en-US" sz="1800" b="0" i="0" u="none" strike="noStrike" baseline="0" dirty="0">
+                <a:latin typeface="Times-Roman"/>
+              </a:rPr>
+              <a:t>    set of IP-based Third Generation Partnership Project (3GPP)</a:t>
+            </a:r>
+            <a:br>
+              <a:rPr lang="en-US" sz="1800" b="0" dirty="0"/>
+            </a:br>
+            <a:br>
+              <a:rPr lang="en-US" sz="1800" b="0" dirty="0"/>
+            </a:br>
+            <a:r>
+              <a:rPr lang="en-US" sz="1800" b="0" dirty="0"/>
+              <a:t>- </a:t>
+            </a:r>
+            <a:r>
+              <a:rPr lang="en-US" sz="1800" b="0" i="0" u="none" strike="noStrike" baseline="0" dirty="0">
+                <a:latin typeface="Times-Roman"/>
+              </a:rPr>
+              <a:t>Additionally, the receiver-driven communication in ICN allows IoT-receivers to ask for data without reveali</a:t>
+            </a:r>
+            <a:r>
+              <a:rPr lang="en-US" sz="1800" b="0" dirty="0">
+                <a:latin typeface="Times-Roman"/>
+              </a:rPr>
+              <a:t>ng     </a:t>
+            </a:r>
+            <a:r>
+              <a:rPr lang="en-US" sz="1800" b="0" i="0" u="none" strike="noStrike" baseline="0" dirty="0">
+                <a:latin typeface="Times-Roman"/>
+              </a:rPr>
+              <a:t>their location information, thus being privacy supporting.</a:t>
+            </a:r>
+            <a:br>
+              <a:rPr lang="en-US" sz="1800" b="0" i="0" u="none" strike="noStrike" baseline="0" dirty="0">
+                <a:latin typeface="Times-Roman"/>
+              </a:rPr>
+            </a:br>
+            <a:br>
+              <a:rPr lang="en-US" sz="1800" b="0" i="0" u="none" strike="noStrike" baseline="0" dirty="0">
+                <a:latin typeface="Times-Roman"/>
+              </a:rPr>
+            </a:br>
+            <a:br>
+              <a:rPr lang="en-US" sz="1800" b="0" i="0" u="none" strike="noStrike" baseline="0" dirty="0">
+                <a:latin typeface="Times-Roman"/>
+              </a:rPr>
+            </a:br>
+            <a:r>
+              <a:rPr lang="en-US" sz="1800" b="0" dirty="0"/>
+              <a:t>- </a:t>
+            </a:r>
+            <a:r>
+              <a:rPr lang="en-US" sz="1800" b="0" i="0" u="none" strike="noStrike" baseline="0" dirty="0">
+                <a:latin typeface="Times-Roman"/>
+              </a:rPr>
+              <a:t>it provides a unifying platform with the same layer-3 Application Programming Interfaces (APIs) to integrate heterogeneous radios and wired interfaces in the same network</a:t>
+            </a:r>
+            <a:br>
+              <a:rPr lang="en-US" sz="1800" b="0" i="0" u="none" strike="noStrike" baseline="0" dirty="0">
+                <a:latin typeface="Times-Roman"/>
+              </a:rPr>
+            </a:br>
+            <a:br>
+              <a:rPr lang="en-US" sz="1800" b="0" i="0" u="none" strike="noStrike" baseline="0" dirty="0">
+                <a:latin typeface="Times-Roman"/>
+              </a:rPr>
+            </a:br>
+            <a:r>
+              <a:rPr lang="en-US" sz="1800" b="0" i="0" u="none" strike="noStrike" baseline="0" dirty="0">
+                <a:latin typeface="Times-Roman"/>
+              </a:rPr>
+              <a:t>- it converges services like computing, storage, and networking over a single platform</a:t>
+            </a:r>
+            <a:br>
+              <a:rPr lang="en-US" sz="1800" b="0" i="0" u="none" strike="noStrike" baseline="0" dirty="0">
+                <a:latin typeface="Times-Roman"/>
+              </a:rPr>
+            </a:br>
+            <a:br>
+              <a:rPr lang="en-US" sz="1800" b="0" i="0" u="none" strike="noStrike" baseline="0" dirty="0">
+                <a:latin typeface="Times-Roman"/>
+              </a:rPr>
+            </a:br>
+            <a:r>
+              <a:rPr lang="en-US" sz="1800" b="0" i="0" u="none" strike="noStrike" baseline="0" dirty="0">
+                <a:latin typeface="Times-Roman"/>
+              </a:rPr>
+              <a:t>- The purpose of our presentation is to provide the first complete survey and classification of the existing coexistence solutions          of IP and ICN.</a:t>
+            </a:r>
+            <a:br>
+              <a:rPr lang="en-US" sz="1800" b="0" i="0" u="none" strike="noStrike" baseline="0" dirty="0">
+                <a:latin typeface="Times-Roman"/>
+              </a:rPr>
+            </a:br>
+            <a:br>
+              <a:rPr lang="en-US" sz="1800" b="0" i="0" u="none" strike="noStrike" baseline="0" dirty="0">
+                <a:latin typeface="Times-Roman"/>
+              </a:rPr>
+            </a:br>
+            <a:br>
+              <a:rPr lang="en-US" sz="1800" b="0" dirty="0"/>
+            </a:br>
+            <a:endParaRPr lang="en-US" sz="1800" dirty="0"/>
+          </a:p>
+        </p:txBody>
+      </p:sp>
+    </p:spTree>
+    <p:extLst>
+      <p:ext uri="{BB962C8B-B14F-4D97-AF65-F5344CB8AC3E}">
+        <p14:creationId xmlns:p14="http://schemas.microsoft.com/office/powerpoint/2010/main" val="2697803939"/>
       </p:ext>
     </p:extLst>
   </p:cSld>

--- a/ICN-IP Coexistence Solutions.pptx
+++ b/ICN-IP Coexistence Solutions.pptx
@@ -9,6 +9,9 @@
     <p:sldId id="257" r:id="rId3"/>
     <p:sldId id="258" r:id="rId4"/>
     <p:sldId id="260" r:id="rId5"/>
+    <p:sldId id="261" r:id="rId6"/>
+    <p:sldId id="262" r:id="rId7"/>
+    <p:sldId id="263" r:id="rId8"/>
   </p:sldIdLst>
   <p:sldSz cx="12192000" cy="6858000"/>
   <p:notesSz cx="6858000" cy="9144000"/>
@@ -271,7 +274,7 @@
           <a:p>
             <a:fld id="{5E7AA473-D82F-4EFF-9DF7-AE6D83C51288}" type="datetime1">
               <a:rPr lang="en-US" smtClean="0"/>
-              <a:t>10/27/2021</a:t>
+              <a:t>11/1/2021</a:t>
             </a:fld>
             <a:endParaRPr lang="en-US"/>
           </a:p>
@@ -525,7 +528,7 @@
           <a:p>
             <a:fld id="{1E12F1F0-FE2D-4C1C-B320-8CB9BE735F0F}" type="datetime1">
               <a:rPr lang="en-US" smtClean="0"/>
-              <a:t>10/27/2021</a:t>
+              <a:t>11/1/2021</a:t>
             </a:fld>
             <a:endParaRPr lang="en-US"/>
           </a:p>
@@ -793,7 +796,7 @@
           <a:p>
             <a:fld id="{2CF1B96C-10FD-4EBC-9029-9652B7535D02}" type="datetime1">
               <a:rPr lang="en-US" smtClean="0"/>
-              <a:t>10/27/2021</a:t>
+              <a:t>11/1/2021</a:t>
             </a:fld>
             <a:endParaRPr lang="en-US"/>
           </a:p>
@@ -1047,7 +1050,7 @@
           <a:p>
             <a:fld id="{14878474-CC00-4A95-9D50-A41C12D1EEC4}" type="datetime1">
               <a:rPr lang="en-US" smtClean="0"/>
-              <a:t>10/27/2021</a:t>
+              <a:t>11/1/2021</a:t>
             </a:fld>
             <a:endParaRPr lang="en-US"/>
           </a:p>
@@ -1325,7 +1328,7 @@
           <a:p>
             <a:fld id="{7F38C8B4-7FBB-408F-BDB9-F0496874AFB2}" type="datetime1">
               <a:rPr lang="en-US" smtClean="0"/>
-              <a:t>10/27/2021</a:t>
+              <a:t>11/1/2021</a:t>
             </a:fld>
             <a:endParaRPr lang="en-US"/>
           </a:p>
@@ -1597,7 +1600,7 @@
           <a:p>
             <a:fld id="{2BB8EE20-A5E2-47D3-8F6D-A2BA7AB2E093}" type="datetime1">
               <a:rPr lang="en-US" smtClean="0"/>
-              <a:t>10/27/2021</a:t>
+              <a:t>11/1/2021</a:t>
             </a:fld>
             <a:endParaRPr lang="en-US"/>
           </a:p>
@@ -2155,7 +2158,7 @@
           <a:p>
             <a:fld id="{3382CF99-132F-413F-B7EF-71A5C33F2ED6}" type="datetime1">
               <a:rPr lang="en-US" smtClean="0"/>
-              <a:t>10/27/2021</a:t>
+              <a:t>11/1/2021</a:t>
             </a:fld>
             <a:endParaRPr lang="en-US"/>
           </a:p>
@@ -2297,7 +2300,7 @@
           <a:p>
             <a:fld id="{1F17AE06-98E0-4D9F-A059-92C3548821BB}" type="datetime1">
               <a:rPr lang="en-US" smtClean="0"/>
-              <a:t>10/27/2021</a:t>
+              <a:t>11/1/2021</a:t>
             </a:fld>
             <a:endParaRPr lang="en-US"/>
           </a:p>
@@ -2410,7 +2413,7 @@
           <a:p>
             <a:fld id="{FFBA00CA-3DDC-4705-B840-978EF5EA0707}" type="datetime1">
               <a:rPr lang="en-US" smtClean="0"/>
-              <a:t>10/27/2021</a:t>
+              <a:t>11/1/2021</a:t>
             </a:fld>
             <a:endParaRPr lang="en-US"/>
           </a:p>
@@ -2729,7 +2732,7 @@
           <a:p>
             <a:fld id="{FC366D49-0BBA-4C5A-AD96-6448CA63451A}" type="datetime1">
               <a:rPr lang="en-US" smtClean="0"/>
-              <a:t>10/27/2021</a:t>
+              <a:t>11/1/2021</a:t>
             </a:fld>
             <a:endParaRPr lang="en-US"/>
           </a:p>
@@ -3026,7 +3029,7 @@
           <a:p>
             <a:fld id="{4F4EB293-A316-472D-A8B4-6947CF1A12B7}" type="datetime1">
               <a:rPr lang="en-US" smtClean="0"/>
-              <a:t>10/27/2021</a:t>
+              <a:t>11/1/2021</a:t>
             </a:fld>
             <a:endParaRPr lang="en-US"/>
           </a:p>
@@ -3305,7 +3308,7 @@
           <a:p>
             <a:fld id="{734BCCD4-CEB1-405B-A443-DD9CBCBEA552}" type="datetime1">
               <a:rPr lang="en-US" smtClean="0"/>
-              <a:t>10/27/2021</a:t>
+              <a:t>11/1/2021</a:t>
             </a:fld>
             <a:endParaRPr lang="en-US"/>
           </a:p>
@@ -4513,7 +4516,7 @@
         <p:spPr>
           <a:xfrm>
             <a:off x="597769" y="3866438"/>
-            <a:ext cx="8040204" cy="2366346"/>
+            <a:ext cx="9070014" cy="2027004"/>
           </a:xfrm>
         </p:spPr>
         <p:txBody>
@@ -4610,7 +4613,7 @@
               <a:rPr lang="en-US" sz="2000" b="0" dirty="0">
                 <a:latin typeface="Times-Bold"/>
               </a:rPr>
-              <a:t>Coexistence between old and new architecture</a:t>
+              <a:t>Coexistence between old and new architecture which is the purpose of our presentation.</a:t>
             </a:r>
             <a:br>
               <a:rPr lang="en-US" sz="1800" b="0" i="0" u="none" strike="noStrike" baseline="0" dirty="0">
@@ -4780,8 +4783,8 @@
         </p:nvSpPr>
         <p:spPr>
           <a:xfrm>
-            <a:off x="692457" y="727116"/>
-            <a:ext cx="10333608" cy="3139321"/>
+            <a:off x="692457" y="727117"/>
+            <a:ext cx="10315854" cy="3139321"/>
           </a:xfrm>
           <a:prstGeom prst="rect">
             <a:avLst/>
@@ -5561,8 +5564,8 @@
         </p:nvSpPr>
         <p:spPr>
           <a:xfrm>
-            <a:off x="517868" y="978407"/>
-            <a:ext cx="10570341" cy="5231517"/>
+            <a:off x="517868" y="978408"/>
+            <a:ext cx="10525953" cy="5094362"/>
           </a:xfrm>
         </p:spPr>
         <p:txBody>
@@ -5588,7 +5591,13 @@
             </a:r>
             <a:r>
               <a:rPr lang="en-US" sz="1800" b="0" dirty="0"/>
-              <a:t>new network communication module which might replace the current one (host-centric to information-centric networking).</a:t>
+              <a:t>new network communication module which might replace the current one (host-centric to information-centric networking). </a:t>
+            </a:r>
+            <a:r>
+              <a:rPr lang="en-US" sz="1800" b="0" i="0" u="none" strike="noStrike" baseline="0" dirty="0">
+                <a:latin typeface="Times-Roman"/>
+              </a:rPr>
+              <a:t>the ICN paradigm was first introduced in the TRIAD project in 2001.</a:t>
             </a:r>
             <a:br>
               <a:rPr lang="en-US" sz="1800" b="0" dirty="0"/>
@@ -5625,19 +5634,7 @@
               <a:rPr lang="en-US" sz="1800" b="0" i="0" u="none" strike="noStrike" baseline="0" dirty="0">
                 <a:latin typeface="Times-Roman"/>
               </a:rPr>
-              <a:t>      reduction of latency and network load due to </a:t>
-            </a:r>
-            <a:r>
-              <a:rPr lang="en-US" sz="1800" b="0" i="0" u="none" strike="noStrike" baseline="0" dirty="0" err="1">
-                <a:latin typeface="Times-Roman"/>
-              </a:rPr>
-              <a:t>innetwork</a:t>
-            </a:r>
-            <a:r>
-              <a:rPr lang="en-US" sz="1800" b="0" i="0" u="none" strike="noStrike" baseline="0" dirty="0">
-                <a:latin typeface="Times-Roman"/>
-              </a:rPr>
-              <a:t>  caching, inherent content integrity</a:t>
+              <a:t>      reduction of latency and network load due to in-network  caching, inherent content integrity</a:t>
             </a:r>
             <a:br>
               <a:rPr lang="en-US" sz="1800" b="0" i="0" u="none" strike="noStrike" baseline="0" dirty="0">
@@ -6380,13 +6377,13 @@
         </p:nvSpPr>
         <p:spPr>
           <a:xfrm>
-            <a:off x="517868" y="978408"/>
-            <a:ext cx="10756773" cy="5140080"/>
+            <a:off x="517868" y="978407"/>
+            <a:ext cx="11298311" cy="5493413"/>
           </a:xfrm>
         </p:spPr>
         <p:txBody>
           <a:bodyPr>
-            <a:normAutofit fontScale="90000"/>
+            <a:normAutofit/>
           </a:bodyPr>
           <a:lstStyle/>
           <a:p>
@@ -6403,7 +6400,7 @@
             </a:br>
             <a:r>
               <a:rPr lang="en-US" sz="1800" dirty="0"/>
-              <a:t>- </a:t>
+              <a:t>-   </a:t>
             </a:r>
             <a:r>
               <a:rPr lang="en-US" sz="1800" b="0" i="0" u="none" strike="noStrike" baseline="0" dirty="0">
@@ -6442,7 +6439,7 @@
               <a:rPr lang="en-US" sz="1800" b="0" dirty="0">
                 <a:latin typeface="Times-Roman"/>
               </a:rPr>
-              <a:t>ng     </a:t>
+              <a:t>ng </a:t>
             </a:r>
             <a:r>
               <a:rPr lang="en-US" sz="1800" b="0" i="0" u="none" strike="noStrike" baseline="0" dirty="0">
@@ -6460,11 +6457,6 @@
                 <a:latin typeface="Times-Roman"/>
               </a:rPr>
             </a:br>
-            <a:br>
-              <a:rPr lang="en-US" sz="1800" b="0" i="0" u="none" strike="noStrike" baseline="0" dirty="0">
-                <a:latin typeface="Times-Roman"/>
-              </a:rPr>
-            </a:br>
             <a:r>
               <a:rPr lang="en-US" sz="1800" b="0" dirty="0"/>
               <a:t>- </a:t>
@@ -6473,7 +6465,7 @@
               <a:rPr lang="en-US" sz="1800" b="0" i="0" u="none" strike="noStrike" baseline="0" dirty="0">
                 <a:latin typeface="Times-Roman"/>
               </a:rPr>
-              <a:t>it provides a unifying platform with the same layer-3 Application Programming Interfaces (APIs) to integrate heterogeneous radios and wired interfaces in the same network</a:t>
+              <a:t>it provides a unifying platform with the same layer-3 Application Programming Interfaces (APIs) to integrate  heterogeneous radios and wired interfaces in the same network</a:t>
             </a:r>
             <a:br>
               <a:rPr lang="en-US" sz="1800" b="0" i="0" u="none" strike="noStrike" baseline="0" dirty="0">
@@ -6501,12 +6493,6 @@
                 <a:latin typeface="Times-Roman"/>
               </a:rPr>
             </a:br>
-            <a:r>
-              <a:rPr lang="en-US" sz="1800" b="0" i="0" u="none" strike="noStrike" baseline="0" dirty="0">
-                <a:latin typeface="Times-Roman"/>
-              </a:rPr>
-              <a:t>- The purpose of our presentation is to provide the first complete survey and classification of the existing coexistence solutions          of IP and ICN.</a:t>
-            </a:r>
             <a:br>
               <a:rPr lang="en-US" sz="1800" b="0" i="0" u="none" strike="noStrike" baseline="0" dirty="0">
                 <a:latin typeface="Times-Roman"/>
@@ -6528,6 +6514,988 @@
     <p:extLst>
       <p:ext uri="{BB962C8B-B14F-4D97-AF65-F5344CB8AC3E}">
         <p14:creationId xmlns:p14="http://schemas.microsoft.com/office/powerpoint/2010/main" val="2697803939"/>
+      </p:ext>
+    </p:extLst>
+  </p:cSld>
+  <p:clrMapOvr>
+    <a:masterClrMapping/>
+  </p:clrMapOvr>
+</p:sld>
+</file>
+
+<file path=ppt/slides/slide5.xml><?xml version="1.0" encoding="utf-8"?>
+<p:sld xmlns:a="http://schemas.openxmlformats.org/drawingml/2006/main" xmlns:r="http://schemas.openxmlformats.org/officeDocument/2006/relationships" xmlns:p="http://schemas.openxmlformats.org/presentationml/2006/main">
+  <p:cSld>
+    <p:bg>
+      <p:bgPr>
+        <a:solidFill>
+          <a:schemeClr val="bg2"/>
+        </a:solidFill>
+        <a:effectLst/>
+      </p:bgPr>
+    </p:bg>
+    <p:spTree>
+      <p:nvGrpSpPr>
+        <p:cNvPr id="1" name=""/>
+        <p:cNvGrpSpPr/>
+        <p:nvPr/>
+      </p:nvGrpSpPr>
+      <p:grpSpPr>
+        <a:xfrm>
+          <a:off x="0" y="0"/>
+          <a:ext cx="0" cy="0"/>
+          <a:chOff x="0" y="0"/>
+          <a:chExt cx="0" cy="0"/>
+        </a:xfrm>
+      </p:grpSpPr>
+      <p:sp>
+        <p:nvSpPr>
+          <p:cNvPr id="56" name="Rectangle 45">
+            <a:extLst>
+              <a:ext uri="{FF2B5EF4-FFF2-40B4-BE49-F238E27FC236}">
+                <a16:creationId xmlns:a16="http://schemas.microsoft.com/office/drawing/2014/main" id="{ADE57300-C7FF-4578-99A0-42B0295B123C}"/>
+              </a:ext>
+              <a:ext uri="{C183D7F6-B498-43B3-948B-1728B52AA6E4}">
+                <adec:decorative xmlns:adec="http://schemas.microsoft.com/office/drawing/2017/decorative" val="1"/>
+              </a:ext>
+            </a:extLst>
+          </p:cNvPr>
+          <p:cNvSpPr>
+            <a:spLocks noGrp="1" noRot="1" noChangeAspect="1" noMove="1" noResize="1" noEditPoints="1" noAdjustHandles="1" noChangeArrowheads="1" noChangeShapeType="1" noTextEdit="1"/>
+          </p:cNvSpPr>
+          <p:nvPr>
+            <p:extLst>
+              <p:ext uri="{386F3935-93C4-4BCD-93E2-E3B085C9AB24}">
+                <p16:designElem xmlns:p16="http://schemas.microsoft.com/office/powerpoint/2015/main" val="1"/>
+              </p:ext>
+            </p:extLst>
+          </p:nvPr>
+        </p:nvSpPr>
+        <p:spPr>
+          <a:xfrm>
+            <a:off x="517870" y="508090"/>
+            <a:ext cx="5021183" cy="149279"/>
+          </a:xfrm>
+          <a:prstGeom prst="rect">
+            <a:avLst/>
+          </a:prstGeom>
+          <a:solidFill>
+            <a:schemeClr val="tx1"/>
+          </a:solidFill>
+          <a:ln>
+            <a:noFill/>
+          </a:ln>
+        </p:spPr>
+        <p:style>
+          <a:lnRef idx="2">
+            <a:schemeClr val="accent1">
+              <a:shade val="50000"/>
+            </a:schemeClr>
+          </a:lnRef>
+          <a:fillRef idx="1">
+            <a:schemeClr val="accent1"/>
+          </a:fillRef>
+          <a:effectRef idx="0">
+            <a:schemeClr val="accent1"/>
+          </a:effectRef>
+          <a:fontRef idx="minor">
+            <a:schemeClr val="lt1"/>
+          </a:fontRef>
+        </p:style>
+        <p:txBody>
+          <a:bodyPr rtlCol="0" anchor="ctr"/>
+          <a:lstStyle/>
+          <a:p>
+            <a:pPr algn="ctr"/>
+            <a:endParaRPr lang="en-US"/>
+          </a:p>
+        </p:txBody>
+      </p:sp>
+      <p:sp>
+        <p:nvSpPr>
+          <p:cNvPr id="57" name="Rectangle 47">
+            <a:extLst>
+              <a:ext uri="{FF2B5EF4-FFF2-40B4-BE49-F238E27FC236}">
+                <a16:creationId xmlns:a16="http://schemas.microsoft.com/office/drawing/2014/main" id="{F3FF94B3-6D3E-44FE-BB02-A9027C0003C7}"/>
+              </a:ext>
+              <a:ext uri="{C183D7F6-B498-43B3-948B-1728B52AA6E4}">
+                <adec:decorative xmlns:adec="http://schemas.microsoft.com/office/drawing/2017/decorative" val="1"/>
+              </a:ext>
+            </a:extLst>
+          </p:cNvPr>
+          <p:cNvSpPr>
+            <a:spLocks noGrp="1" noRot="1" noChangeAspect="1" noMove="1" noResize="1" noEditPoints="1" noAdjustHandles="1" noChangeArrowheads="1" noChangeShapeType="1" noTextEdit="1"/>
+          </p:cNvSpPr>
+          <p:nvPr>
+            <p:extLst>
+              <p:ext uri="{386F3935-93C4-4BCD-93E2-E3B085C9AB24}">
+                <p16:designElem xmlns:p16="http://schemas.microsoft.com/office/powerpoint/2015/main" val="1"/>
+              </p:ext>
+            </p:extLst>
+          </p:nvPr>
+        </p:nvSpPr>
+        <p:spPr>
+          <a:xfrm>
+            <a:off x="6662168" y="6209925"/>
+            <a:ext cx="5021183" cy="45719"/>
+          </a:xfrm>
+          <a:prstGeom prst="rect">
+            <a:avLst/>
+          </a:prstGeom>
+          <a:solidFill>
+            <a:schemeClr val="tx1"/>
+          </a:solidFill>
+          <a:ln>
+            <a:noFill/>
+          </a:ln>
+        </p:spPr>
+        <p:style>
+          <a:lnRef idx="2">
+            <a:schemeClr val="accent1">
+              <a:shade val="50000"/>
+            </a:schemeClr>
+          </a:lnRef>
+          <a:fillRef idx="1">
+            <a:schemeClr val="accent1"/>
+          </a:fillRef>
+          <a:effectRef idx="0">
+            <a:schemeClr val="accent1"/>
+          </a:effectRef>
+          <a:fontRef idx="minor">
+            <a:schemeClr val="lt1"/>
+          </a:fontRef>
+        </p:style>
+        <p:txBody>
+          <a:bodyPr rtlCol="0" anchor="ctr"/>
+          <a:lstStyle/>
+          <a:p>
+            <a:pPr algn="ctr"/>
+            <a:endParaRPr lang="en-US"/>
+          </a:p>
+        </p:txBody>
+      </p:sp>
+      <p:sp useBgFill="1">
+        <p:nvSpPr>
+          <p:cNvPr id="58" name="Rectangle 49">
+            <a:extLst>
+              <a:ext uri="{FF2B5EF4-FFF2-40B4-BE49-F238E27FC236}">
+                <a16:creationId xmlns:a16="http://schemas.microsoft.com/office/drawing/2014/main" id="{CD7F9EC8-0E2C-4023-9DD1-73BEF6B80D13}"/>
+              </a:ext>
+              <a:ext uri="{C183D7F6-B498-43B3-948B-1728B52AA6E4}">
+                <adec:decorative xmlns:adec="http://schemas.microsoft.com/office/drawing/2017/decorative" val="1"/>
+              </a:ext>
+            </a:extLst>
+          </p:cNvPr>
+          <p:cNvSpPr>
+            <a:spLocks noGrp="1" noRot="1" noChangeAspect="1" noMove="1" noResize="1" noEditPoints="1" noAdjustHandles="1" noChangeArrowheads="1" noChangeShapeType="1" noTextEdit="1"/>
+          </p:cNvSpPr>
+          <p:nvPr>
+            <p:extLst>
+              <p:ext uri="{386F3935-93C4-4BCD-93E2-E3B085C9AB24}">
+                <p16:designElem xmlns:p16="http://schemas.microsoft.com/office/powerpoint/2015/main" val="1"/>
+              </p:ext>
+            </p:extLst>
+          </p:nvPr>
+        </p:nvSpPr>
+        <p:spPr>
+          <a:xfrm>
+            <a:off x="0" y="0"/>
+            <a:ext cx="12188952" cy="6857995"/>
+          </a:xfrm>
+          <a:prstGeom prst="rect">
+            <a:avLst/>
+          </a:prstGeom>
+          <a:ln>
+            <a:noFill/>
+          </a:ln>
+        </p:spPr>
+        <p:style>
+          <a:lnRef idx="2">
+            <a:schemeClr val="accent1">
+              <a:shade val="50000"/>
+            </a:schemeClr>
+          </a:lnRef>
+          <a:fillRef idx="1">
+            <a:schemeClr val="accent1"/>
+          </a:fillRef>
+          <a:effectRef idx="0">
+            <a:schemeClr val="accent1"/>
+          </a:effectRef>
+          <a:fontRef idx="minor">
+            <a:schemeClr val="lt1"/>
+          </a:fontRef>
+        </p:style>
+        <p:txBody>
+          <a:bodyPr rtlCol="0" anchor="ctr"/>
+          <a:lstStyle/>
+          <a:p>
+            <a:pPr algn="ctr"/>
+            <a:endParaRPr lang="en-US" dirty="0"/>
+          </a:p>
+        </p:txBody>
+      </p:sp>
+      <p:sp>
+        <p:nvSpPr>
+          <p:cNvPr id="3" name="Title 2">
+            <a:extLst>
+              <a:ext uri="{FF2B5EF4-FFF2-40B4-BE49-F238E27FC236}">
+                <a16:creationId xmlns:a16="http://schemas.microsoft.com/office/drawing/2014/main" id="{54796789-F099-45A2-AD5D-0C17055644D8}"/>
+              </a:ext>
+            </a:extLst>
+          </p:cNvPr>
+          <p:cNvSpPr>
+            <a:spLocks noGrp="1"/>
+          </p:cNvSpPr>
+          <p:nvPr>
+            <p:ph type="title"/>
+          </p:nvPr>
+        </p:nvSpPr>
+        <p:spPr>
+          <a:xfrm>
+            <a:off x="517870" y="978408"/>
+            <a:ext cx="6321851" cy="5554104"/>
+          </a:xfrm>
+        </p:spPr>
+        <p:txBody>
+          <a:bodyPr vert="horz" lIns="91440" tIns="45720" rIns="91440" bIns="45720" rtlCol="0" anchor="t">
+            <a:normAutofit fontScale="90000"/>
+          </a:bodyPr>
+          <a:lstStyle/>
+          <a:p>
+            <a:pPr algn="l"/>
+            <a:r>
+              <a:rPr lang="en-US" sz="2600" dirty="0"/>
+              <a:t>Comparison Between IP-Based and ICN-Based Internet  Architectures</a:t>
+            </a:r>
+            <a:br>
+              <a:rPr lang="en-US" sz="2600" dirty="0"/>
+            </a:br>
+            <a:br>
+              <a:rPr lang="en-US" sz="2600" dirty="0"/>
+            </a:br>
+            <a:br>
+              <a:rPr lang="en-US" sz="2600" i="0" u="none" strike="noStrike" baseline="0" dirty="0"/>
+            </a:br>
+            <a:r>
+              <a:rPr lang="en-US" sz="2600" i="0" u="none" strike="noStrike" baseline="0" dirty="0"/>
+              <a:t>-  </a:t>
+            </a:r>
+            <a:r>
+              <a:rPr lang="en-US" sz="1800" b="0" dirty="0">
+                <a:solidFill>
+                  <a:srgbClr val="FF0000"/>
+                </a:solidFill>
+                <a:latin typeface="Times-Roman"/>
+              </a:rPr>
+              <a:t>ICN Application: </a:t>
+            </a:r>
+            <a:r>
+              <a:rPr lang="en-US" sz="1800" b="0" dirty="0">
+                <a:latin typeface="Times-Roman"/>
+              </a:rPr>
+              <a:t>the protocols of this layer address</a:t>
+            </a:r>
+            <a:br>
+              <a:rPr lang="en-US" sz="1800" b="0" dirty="0">
+                <a:latin typeface="Times-Roman"/>
+              </a:rPr>
+            </a:br>
+            <a:r>
+              <a:rPr lang="en-US" sz="1800" b="0" dirty="0">
+                <a:latin typeface="Times-Roman"/>
+              </a:rPr>
+              <a:t>content names instead of hosts locations.</a:t>
+            </a:r>
+            <a:br>
+              <a:rPr lang="en-US" sz="1800" b="0" dirty="0">
+                <a:latin typeface="Times-Roman"/>
+              </a:rPr>
+            </a:br>
+            <a:br>
+              <a:rPr lang="en-US" sz="1800" b="0" dirty="0">
+                <a:latin typeface="Times-Roman"/>
+              </a:rPr>
+            </a:br>
+            <a:br>
+              <a:rPr lang="en-US" sz="1800" b="0" dirty="0">
+                <a:latin typeface="Times-Roman"/>
+              </a:rPr>
+            </a:br>
+            <a:br>
+              <a:rPr lang="en-US" sz="1800" b="0" dirty="0">
+                <a:latin typeface="Times-Roman"/>
+              </a:rPr>
+            </a:br>
+            <a:r>
+              <a:rPr lang="en-US" sz="1800" b="0" dirty="0">
+                <a:latin typeface="Times-Roman"/>
+              </a:rPr>
+              <a:t>- </a:t>
+            </a:r>
+            <a:r>
+              <a:rPr lang="en-US" sz="1800" b="0" dirty="0">
+                <a:solidFill>
+                  <a:srgbClr val="FF0000"/>
+                </a:solidFill>
+                <a:latin typeface="Times-Roman"/>
+              </a:rPr>
+              <a:t>ICN Forwarding: </a:t>
+            </a:r>
+            <a:r>
+              <a:rPr lang="en-US" sz="1800" b="0" dirty="0">
+                <a:latin typeface="Times-Roman"/>
+              </a:rPr>
+              <a:t>equivalent to the TCP/IP Network layer but source and destination IP addresses are removed from the network packets and only the addressed content name is declared.</a:t>
+            </a:r>
+            <a:br>
+              <a:rPr lang="en-US" sz="1800" b="0" dirty="0">
+                <a:latin typeface="Times-Roman"/>
+              </a:rPr>
+            </a:br>
+            <a:br>
+              <a:rPr lang="en-US" sz="1800" b="0" dirty="0">
+                <a:latin typeface="Times-Roman"/>
+              </a:rPr>
+            </a:br>
+            <a:br>
+              <a:rPr lang="en-US" sz="1800" b="0" dirty="0">
+                <a:latin typeface="Times-Roman"/>
+              </a:rPr>
+            </a:br>
+            <a:br>
+              <a:rPr lang="en-US" sz="1800" b="0" dirty="0">
+                <a:latin typeface="Times-Roman"/>
+              </a:rPr>
+            </a:br>
+            <a:r>
+              <a:rPr lang="en-US" sz="1800" b="0" dirty="0">
+                <a:latin typeface="Times-Roman"/>
+              </a:rPr>
+              <a:t>- </a:t>
+            </a:r>
+            <a:r>
+              <a:rPr lang="en-US" sz="1800" b="0" dirty="0">
+                <a:solidFill>
+                  <a:srgbClr val="FF0000"/>
+                </a:solidFill>
+                <a:latin typeface="Times-Roman"/>
+              </a:rPr>
+              <a:t>Link: </a:t>
+            </a:r>
+            <a:r>
+              <a:rPr lang="en-US" sz="1800" b="0" i="0" u="none" strike="noStrike" baseline="0" dirty="0">
+                <a:latin typeface="Times-Roman"/>
+              </a:rPr>
+              <a:t>this layer introduces a mapping between MAC addresses and content names.</a:t>
+            </a:r>
+            <a:br>
+              <a:rPr lang="en-US" sz="1800" b="0" dirty="0">
+                <a:latin typeface="Times-Roman"/>
+              </a:rPr>
+            </a:br>
+            <a:br>
+              <a:rPr lang="en-US" sz="2600" i="0" u="none" strike="noStrike" baseline="0" dirty="0"/>
+            </a:br>
+            <a:br>
+              <a:rPr lang="en-US" sz="2600" dirty="0"/>
+            </a:br>
+            <a:endParaRPr lang="en-US" sz="2600" dirty="0"/>
+          </a:p>
+        </p:txBody>
+      </p:sp>
+      <p:sp>
+        <p:nvSpPr>
+          <p:cNvPr id="59" name="Rectangle 51">
+            <a:extLst>
+              <a:ext uri="{FF2B5EF4-FFF2-40B4-BE49-F238E27FC236}">
+                <a16:creationId xmlns:a16="http://schemas.microsoft.com/office/drawing/2014/main" id="{AACEB7BF-F8E5-4078-97E4-4276495F2BC2}"/>
+              </a:ext>
+              <a:ext uri="{C183D7F6-B498-43B3-948B-1728B52AA6E4}">
+                <adec:decorative xmlns:adec="http://schemas.microsoft.com/office/drawing/2017/decorative" val="1"/>
+              </a:ext>
+            </a:extLst>
+          </p:cNvPr>
+          <p:cNvSpPr>
+            <a:spLocks noGrp="1" noRot="1" noChangeAspect="1" noMove="1" noResize="1" noEditPoints="1" noAdjustHandles="1" noChangeArrowheads="1" noChangeShapeType="1" noTextEdit="1"/>
+          </p:cNvSpPr>
+          <p:nvPr>
+            <p:extLst>
+              <p:ext uri="{386F3935-93C4-4BCD-93E2-E3B085C9AB24}">
+                <p16:designElem xmlns:p16="http://schemas.microsoft.com/office/powerpoint/2015/main" val="1"/>
+              </p:ext>
+            </p:extLst>
+          </p:nvPr>
+        </p:nvSpPr>
+        <p:spPr>
+          <a:xfrm>
+            <a:off x="517870" y="508090"/>
+            <a:ext cx="5021183" cy="149279"/>
+          </a:xfrm>
+          <a:prstGeom prst="rect">
+            <a:avLst/>
+          </a:prstGeom>
+          <a:solidFill>
+            <a:schemeClr val="tx1"/>
+          </a:solidFill>
+          <a:ln>
+            <a:noFill/>
+          </a:ln>
+        </p:spPr>
+        <p:style>
+          <a:lnRef idx="2">
+            <a:schemeClr val="accent1">
+              <a:shade val="50000"/>
+            </a:schemeClr>
+          </a:lnRef>
+          <a:fillRef idx="1">
+            <a:schemeClr val="accent1"/>
+          </a:fillRef>
+          <a:effectRef idx="0">
+            <a:schemeClr val="accent1"/>
+          </a:effectRef>
+          <a:fontRef idx="minor">
+            <a:schemeClr val="lt1"/>
+          </a:fontRef>
+        </p:style>
+        <p:txBody>
+          <a:bodyPr rtlCol="0" anchor="ctr"/>
+          <a:lstStyle/>
+          <a:p>
+            <a:pPr algn="ctr"/>
+            <a:endParaRPr lang="en-US"/>
+          </a:p>
+        </p:txBody>
+      </p:sp>
+      <p:pic>
+        <p:nvPicPr>
+          <p:cNvPr id="4" name="Picture 3">
+            <a:extLst>
+              <a:ext uri="{FF2B5EF4-FFF2-40B4-BE49-F238E27FC236}">
+                <a16:creationId xmlns:a16="http://schemas.microsoft.com/office/drawing/2014/main" id="{204554CC-BCBD-435C-91F8-6A5187F698A2}"/>
+              </a:ext>
+            </a:extLst>
+          </p:cNvPr>
+          <p:cNvPicPr>
+            <a:picLocks noChangeAspect="1"/>
+          </p:cNvPicPr>
+          <p:nvPr/>
+        </p:nvPicPr>
+        <p:blipFill>
+          <a:blip r:embed="rId2"/>
+          <a:stretch>
+            <a:fillRect/>
+          </a:stretch>
+        </p:blipFill>
+        <p:spPr>
+          <a:xfrm>
+            <a:off x="6839721" y="613218"/>
+            <a:ext cx="5028284" cy="3356379"/>
+          </a:xfrm>
+          <a:prstGeom prst="rect">
+            <a:avLst/>
+          </a:prstGeom>
+        </p:spPr>
+      </p:pic>
+      <p:sp>
+        <p:nvSpPr>
+          <p:cNvPr id="60" name="Rectangle 53">
+            <a:extLst>
+              <a:ext uri="{FF2B5EF4-FFF2-40B4-BE49-F238E27FC236}">
+                <a16:creationId xmlns:a16="http://schemas.microsoft.com/office/drawing/2014/main" id="{C0301BA4-10E6-44CC-9EEC-727EDF3BC4B8}"/>
+              </a:ext>
+              <a:ext uri="{C183D7F6-B498-43B3-948B-1728B52AA6E4}">
+                <adec:decorative xmlns:adec="http://schemas.microsoft.com/office/drawing/2017/decorative" val="1"/>
+              </a:ext>
+            </a:extLst>
+          </p:cNvPr>
+          <p:cNvSpPr>
+            <a:spLocks noGrp="1" noRot="1" noChangeAspect="1" noMove="1" noResize="1" noEditPoints="1" noAdjustHandles="1" noChangeArrowheads="1" noChangeShapeType="1" noTextEdit="1"/>
+          </p:cNvSpPr>
+          <p:nvPr>
+            <p:extLst>
+              <p:ext uri="{386F3935-93C4-4BCD-93E2-E3B085C9AB24}">
+                <p16:designElem xmlns:p16="http://schemas.microsoft.com/office/powerpoint/2015/main" val="1"/>
+              </p:ext>
+            </p:extLst>
+          </p:nvPr>
+        </p:nvSpPr>
+        <p:spPr>
+          <a:xfrm>
+            <a:off x="6662168" y="6209925"/>
+            <a:ext cx="5021183" cy="45719"/>
+          </a:xfrm>
+          <a:prstGeom prst="rect">
+            <a:avLst/>
+          </a:prstGeom>
+          <a:solidFill>
+            <a:schemeClr val="tx1"/>
+          </a:solidFill>
+          <a:ln>
+            <a:noFill/>
+          </a:ln>
+        </p:spPr>
+        <p:style>
+          <a:lnRef idx="2">
+            <a:schemeClr val="accent1">
+              <a:shade val="50000"/>
+            </a:schemeClr>
+          </a:lnRef>
+          <a:fillRef idx="1">
+            <a:schemeClr val="accent1"/>
+          </a:fillRef>
+          <a:effectRef idx="0">
+            <a:schemeClr val="accent1"/>
+          </a:effectRef>
+          <a:fontRef idx="minor">
+            <a:schemeClr val="lt1"/>
+          </a:fontRef>
+        </p:style>
+        <p:txBody>
+          <a:bodyPr rtlCol="0" anchor="ctr"/>
+          <a:lstStyle/>
+          <a:p>
+            <a:pPr algn="ctr"/>
+            <a:endParaRPr lang="en-US"/>
+          </a:p>
+        </p:txBody>
+      </p:sp>
+      <p:sp>
+        <p:nvSpPr>
+          <p:cNvPr id="5" name="TextBox 4">
+            <a:extLst>
+              <a:ext uri="{FF2B5EF4-FFF2-40B4-BE49-F238E27FC236}">
+                <a16:creationId xmlns:a16="http://schemas.microsoft.com/office/drawing/2014/main" id="{8F78E7C8-1A22-4B27-A6F3-9935B9AAB1CD}"/>
+              </a:ext>
+            </a:extLst>
+          </p:cNvPr>
+          <p:cNvSpPr txBox="1"/>
+          <p:nvPr/>
+        </p:nvSpPr>
+        <p:spPr>
+          <a:xfrm>
+            <a:off x="6785142" y="4295080"/>
+            <a:ext cx="5278635" cy="1754326"/>
+          </a:xfrm>
+          <a:prstGeom prst="rect">
+            <a:avLst/>
+          </a:prstGeom>
+          <a:noFill/>
+        </p:spPr>
+        <p:txBody>
+          <a:bodyPr wrap="square" rtlCol="0">
+            <a:spAutoFit/>
+          </a:bodyPr>
+          <a:lstStyle/>
+          <a:p>
+            <a:pPr marL="285750" indent="-285750">
+              <a:buFontTx/>
+              <a:buChar char="-"/>
+            </a:pPr>
+            <a:r>
+              <a:rPr lang="en-US" sz="1800" b="0" dirty="0">
+                <a:solidFill>
+                  <a:schemeClr val="accent3">
+                    <a:lumMod val="50000"/>
+                  </a:schemeClr>
+                </a:solidFill>
+                <a:latin typeface="Times-Roman"/>
+              </a:rPr>
+              <a:t>Routing</a:t>
+            </a:r>
+            <a:r>
+              <a:rPr lang="en-US" sz="1800" b="0" i="1" dirty="0">
+                <a:solidFill>
+                  <a:schemeClr val="accent3">
+                    <a:lumMod val="50000"/>
+                  </a:schemeClr>
+                </a:solidFill>
+                <a:latin typeface="Times-Italic"/>
+              </a:rPr>
+              <a:t>: </a:t>
+            </a:r>
+            <a:r>
+              <a:rPr lang="en-US" sz="1800" b="0" i="0" u="none" strike="noStrike" baseline="0" dirty="0">
+                <a:latin typeface="Times-Roman"/>
+              </a:rPr>
+              <a:t>the packets sent by a requester contain</a:t>
+            </a:r>
+            <a:r>
+              <a:rPr lang="en-US" sz="1800" b="0" dirty="0">
+                <a:latin typeface="Times-Roman"/>
+              </a:rPr>
+              <a:t> </a:t>
+            </a:r>
+            <a:r>
+              <a:rPr lang="en-US" sz="1800" b="0" i="0" u="none" strike="noStrike" baseline="0" dirty="0">
+                <a:latin typeface="Times-Roman"/>
+              </a:rPr>
+              <a:t>only the full name of the content and no IP addresses</a:t>
+            </a:r>
+          </a:p>
+          <a:p>
+            <a:pPr marL="285750" indent="-285750">
+              <a:buFontTx/>
+              <a:buChar char="-"/>
+            </a:pPr>
+            <a:r>
+              <a:rPr lang="en-US" sz="1800" b="0" i="0" u="none" strike="noStrike" baseline="0" dirty="0">
+                <a:latin typeface="Times-Roman"/>
+              </a:rPr>
+              <a:t>NDN and CCN architectures</a:t>
+            </a:r>
+            <a:r>
+              <a:rPr lang="en-US" dirty="0">
+                <a:latin typeface="Times-Roman"/>
+              </a:rPr>
+              <a:t> : </a:t>
+            </a:r>
+            <a:r>
+              <a:rPr lang="en-US" sz="1800" b="0" i="0" u="none" strike="noStrike" baseline="0" dirty="0">
+                <a:latin typeface="Times-Roman"/>
+              </a:rPr>
+              <a:t>longest-prefix match</a:t>
+            </a:r>
+          </a:p>
+          <a:p>
+            <a:pPr algn="l"/>
+            <a:r>
+              <a:rPr lang="en-US" sz="1800" b="0" i="0" u="none" strike="noStrike" baseline="0" dirty="0">
+                <a:latin typeface="Times-Roman"/>
+              </a:rPr>
+              <a:t>-   DONA</a:t>
+            </a:r>
+            <a:r>
+              <a:rPr lang="en-US" dirty="0">
+                <a:latin typeface="Times-Roman"/>
+              </a:rPr>
+              <a:t>: </a:t>
+            </a:r>
+            <a:r>
+              <a:rPr lang="en-US" sz="1800" b="0" i="0" u="none" strike="noStrike" baseline="0" dirty="0">
+                <a:latin typeface="Times-Roman"/>
+              </a:rPr>
+              <a:t>name-based routing</a:t>
+            </a:r>
+          </a:p>
+          <a:p>
+            <a:pPr algn="l"/>
+            <a:r>
+              <a:rPr lang="en-US" dirty="0">
+                <a:latin typeface="Times-Roman"/>
+              </a:rPr>
+              <a:t>-   </a:t>
+            </a:r>
+            <a:r>
+              <a:rPr lang="en-US" sz="1800" b="0" i="0" u="none" strike="noStrike" baseline="0" dirty="0">
+                <a:latin typeface="Times-Roman"/>
+              </a:rPr>
+              <a:t>PURSUIT: flat name scheme</a:t>
+            </a:r>
+            <a:endParaRPr lang="en-US" dirty="0"/>
+          </a:p>
+        </p:txBody>
+      </p:sp>
+    </p:spTree>
+    <p:extLst>
+      <p:ext uri="{BB962C8B-B14F-4D97-AF65-F5344CB8AC3E}">
+        <p14:creationId xmlns:p14="http://schemas.microsoft.com/office/powerpoint/2010/main" val="2739465564"/>
+      </p:ext>
+    </p:extLst>
+  </p:cSld>
+  <p:clrMapOvr>
+    <a:masterClrMapping/>
+  </p:clrMapOvr>
+</p:sld>
+</file>
+
+<file path=ppt/slides/slide6.xml><?xml version="1.0" encoding="utf-8"?>
+<p:sld xmlns:a="http://schemas.openxmlformats.org/drawingml/2006/main" xmlns:r="http://schemas.openxmlformats.org/officeDocument/2006/relationships" xmlns:p="http://schemas.openxmlformats.org/presentationml/2006/main">
+  <p:cSld>
+    <p:spTree>
+      <p:nvGrpSpPr>
+        <p:cNvPr id="1" name=""/>
+        <p:cNvGrpSpPr/>
+        <p:nvPr/>
+      </p:nvGrpSpPr>
+      <p:grpSpPr>
+        <a:xfrm>
+          <a:off x="0" y="0"/>
+          <a:ext cx="0" cy="0"/>
+          <a:chOff x="0" y="0"/>
+          <a:chExt cx="0" cy="0"/>
+        </a:xfrm>
+      </p:grpSpPr>
+      <p:sp>
+        <p:nvSpPr>
+          <p:cNvPr id="2" name="Title 1">
+            <a:extLst>
+              <a:ext uri="{FF2B5EF4-FFF2-40B4-BE49-F238E27FC236}">
+                <a16:creationId xmlns:a16="http://schemas.microsoft.com/office/drawing/2014/main" id="{F5196601-CC79-495A-8B52-422FD59B50E0}"/>
+              </a:ext>
+            </a:extLst>
+          </p:cNvPr>
+          <p:cNvSpPr>
+            <a:spLocks noGrp="1"/>
+          </p:cNvSpPr>
+          <p:nvPr>
+            <p:ph type="title"/>
+          </p:nvPr>
+        </p:nvSpPr>
+        <p:spPr>
+          <a:xfrm>
+            <a:off x="517869" y="978408"/>
+            <a:ext cx="10747893" cy="5555557"/>
+          </a:xfrm>
+        </p:spPr>
+        <p:txBody>
+          <a:bodyPr>
+            <a:normAutofit/>
+          </a:bodyPr>
+          <a:lstStyle/>
+          <a:p>
+            <a:pPr algn="l"/>
+            <a:r>
+              <a:rPr lang="en-US" sz="2300" dirty="0"/>
+              <a:t>- Comparison Between IP-Based and ICN-Based Internet  Architectures</a:t>
+            </a:r>
+            <a:br>
+              <a:rPr lang="en-US" sz="2300" dirty="0"/>
+            </a:br>
+            <a:br>
+              <a:rPr lang="en-US" sz="2300" dirty="0"/>
+            </a:br>
+            <a:r>
+              <a:rPr lang="en-US" sz="1600" b="0" dirty="0">
+                <a:latin typeface="Times-Roman"/>
+              </a:rPr>
+              <a:t>-  </a:t>
+            </a:r>
+            <a:r>
+              <a:rPr lang="en-US" sz="1600" b="0" dirty="0">
+                <a:solidFill>
+                  <a:schemeClr val="accent3">
+                    <a:lumMod val="50000"/>
+                  </a:schemeClr>
+                </a:solidFill>
+                <a:latin typeface="Times-Roman"/>
+              </a:rPr>
+              <a:t>Name Resolution: </a:t>
+            </a:r>
+            <a:r>
+              <a:rPr lang="en-US" sz="1800" b="0" i="0" u="none" strike="noStrike" baseline="0" dirty="0">
+                <a:latin typeface="Times-Roman"/>
+              </a:rPr>
+              <a:t>differs according to the forwarding approach in case of name-based routing, the requester specifies a content by providing its full name // which is the same name</a:t>
+            </a:r>
+            <a:br>
+              <a:rPr lang="en-US" sz="1800" b="0" i="0" u="none" strike="noStrike" baseline="0" dirty="0">
+                <a:latin typeface="Times-Roman"/>
+              </a:rPr>
+            </a:br>
+            <a:br>
+              <a:rPr lang="en-US" sz="1800" b="0" i="0" u="none" strike="noStrike" baseline="0" dirty="0">
+                <a:latin typeface="Times-Roman"/>
+              </a:rPr>
+            </a:br>
+            <a:r>
+              <a:rPr lang="en-US" sz="1800" b="0" i="0" u="none" strike="noStrike" baseline="0" dirty="0">
+                <a:latin typeface="Times-Roman"/>
+              </a:rPr>
+              <a:t>  PURSUIT or </a:t>
+            </a:r>
+            <a:r>
+              <a:rPr lang="en-US" sz="1800" b="0" i="0" u="none" strike="noStrike" baseline="0" dirty="0" err="1">
+                <a:latin typeface="Times-Roman"/>
+              </a:rPr>
+              <a:t>NetInf</a:t>
+            </a:r>
+            <a:r>
+              <a:rPr lang="en-US" sz="1800" b="0" i="0" u="none" strike="noStrike" baseline="0" dirty="0">
+                <a:latin typeface="Times-Roman"/>
+              </a:rPr>
+              <a:t>, there is always a dedicated node in the network, which is responsible for the mapping             between publishers and subscribers</a:t>
+            </a:r>
+            <a:br>
+              <a:rPr lang="en-US" sz="1800" b="0" i="0" u="none" strike="noStrike" baseline="0" dirty="0">
+                <a:latin typeface="Times-Roman"/>
+              </a:rPr>
+            </a:br>
+            <a:br>
+              <a:rPr lang="en-US" sz="1800" b="0" i="0" u="none" strike="noStrike" baseline="0" dirty="0">
+                <a:latin typeface="Times-Roman"/>
+              </a:rPr>
+            </a:br>
+            <a:r>
+              <a:rPr lang="en-US" sz="1800" b="0" i="0" u="none" strike="noStrike" baseline="0" dirty="0">
+                <a:latin typeface="Times-Roman"/>
+              </a:rPr>
+              <a:t>-  </a:t>
+            </a:r>
+            <a:r>
+              <a:rPr lang="en-US" sz="1600" b="0" i="0" u="none" strike="noStrike" baseline="0" dirty="0">
+                <a:solidFill>
+                  <a:schemeClr val="accent3">
+                    <a:lumMod val="50000"/>
+                  </a:schemeClr>
+                </a:solidFill>
+                <a:latin typeface="Times-Roman"/>
+              </a:rPr>
+              <a:t>Storing</a:t>
+            </a:r>
+            <a:r>
+              <a:rPr lang="en-US" sz="1600" b="0" dirty="0">
+                <a:solidFill>
+                  <a:schemeClr val="accent3">
+                    <a:lumMod val="50000"/>
+                  </a:schemeClr>
+                </a:solidFill>
+                <a:latin typeface="Times-Roman"/>
+              </a:rPr>
+              <a:t>: </a:t>
+            </a:r>
+            <a:r>
+              <a:rPr lang="en-US" sz="1800" b="0" i="0" u="none" strike="noStrike" baseline="0" dirty="0">
+                <a:latin typeface="Times-Roman"/>
+              </a:rPr>
+              <a:t>in ICN, caching is fundamental and almost any node is able to cache contents and to serve the corresponding requests.</a:t>
+            </a:r>
+            <a:br>
+              <a:rPr lang="en-US" sz="1800" b="0" i="0" u="none" strike="noStrike" baseline="0" dirty="0">
+                <a:latin typeface="Times-Roman"/>
+              </a:rPr>
+            </a:br>
+            <a:br>
+              <a:rPr lang="en-US" sz="1800" b="0" i="0" u="none" strike="noStrike" baseline="0" dirty="0">
+                <a:latin typeface="Times-Roman"/>
+              </a:rPr>
+            </a:br>
+            <a:r>
+              <a:rPr lang="en-US" sz="1800" b="0" i="0" u="none" strike="noStrike" baseline="0" dirty="0">
+                <a:latin typeface="Times-Roman"/>
+              </a:rPr>
+              <a:t>- </a:t>
+            </a:r>
+            <a:r>
+              <a:rPr lang="en-US" sz="1600" b="0" dirty="0">
+                <a:solidFill>
+                  <a:schemeClr val="accent3">
+                    <a:lumMod val="50000"/>
+                  </a:schemeClr>
+                </a:solidFill>
+                <a:latin typeface="Times-Roman"/>
+              </a:rPr>
+              <a:t>Traffic Management: </a:t>
+            </a:r>
+            <a:r>
+              <a:rPr lang="en-US" sz="1800" b="0" i="0" u="none" strike="noStrike" baseline="0" dirty="0">
+                <a:latin typeface="Times-Roman"/>
+              </a:rPr>
+              <a:t>the congestion control refers to the prevention of the routers from becoming overflowed and it’s provided by ACK messages in TCP/IP. </a:t>
+            </a:r>
+            <a:r>
+              <a:rPr lang="en-US" sz="1800" b="0" dirty="0">
+                <a:latin typeface="Times-Roman"/>
+              </a:rPr>
+              <a:t>In ICN some </a:t>
+            </a:r>
+            <a:r>
+              <a:rPr lang="en-US" sz="1800" b="0" i="0" u="none" strike="noStrike" baseline="0" dirty="0">
+                <a:latin typeface="Times-Roman"/>
+              </a:rPr>
+              <a:t>architectures, such as DONA, still rely on the existing transport protocols. other ICN solutions NDN, do not provide the </a:t>
+            </a:r>
+            <a:r>
+              <a:rPr lang="en-US" sz="1800" b="0" i="1" u="none" strike="noStrike" baseline="0" dirty="0">
+                <a:latin typeface="Times-Italic"/>
+              </a:rPr>
+              <a:t>Transport </a:t>
+            </a:r>
+            <a:r>
+              <a:rPr lang="en-US" sz="1800" b="0" i="0" u="none" strike="noStrike" baseline="0" dirty="0">
+                <a:latin typeface="Times-Roman"/>
+              </a:rPr>
+              <a:t>layer functionalities and, instead, delegate them to the application itself.</a:t>
+            </a:r>
+            <a:br>
+              <a:rPr lang="en-US" sz="1800" b="0" i="0" u="none" strike="noStrike" baseline="0" dirty="0">
+                <a:latin typeface="Times-Roman"/>
+              </a:rPr>
+            </a:br>
+            <a:br>
+              <a:rPr lang="en-US" sz="1800" b="0" i="0" u="none" strike="noStrike" baseline="0" dirty="0">
+                <a:latin typeface="Times-Roman"/>
+              </a:rPr>
+            </a:br>
+            <a:endParaRPr lang="en-US" sz="1600" b="0" dirty="0">
+              <a:solidFill>
+                <a:schemeClr val="accent3">
+                  <a:lumMod val="50000"/>
+                </a:schemeClr>
+              </a:solidFill>
+              <a:latin typeface="Times-Roman"/>
+            </a:endParaRPr>
+          </a:p>
+        </p:txBody>
+      </p:sp>
+    </p:spTree>
+    <p:extLst>
+      <p:ext uri="{BB962C8B-B14F-4D97-AF65-F5344CB8AC3E}">
+        <p14:creationId xmlns:p14="http://schemas.microsoft.com/office/powerpoint/2010/main" val="2025614851"/>
+      </p:ext>
+    </p:extLst>
+  </p:cSld>
+  <p:clrMapOvr>
+    <a:masterClrMapping/>
+  </p:clrMapOvr>
+</p:sld>
+</file>
+
+<file path=ppt/slides/slide7.xml><?xml version="1.0" encoding="utf-8"?>
+<p:sld xmlns:a="http://schemas.openxmlformats.org/drawingml/2006/main" xmlns:r="http://schemas.openxmlformats.org/officeDocument/2006/relationships" xmlns:p="http://schemas.openxmlformats.org/presentationml/2006/main">
+  <p:cSld>
+    <p:spTree>
+      <p:nvGrpSpPr>
+        <p:cNvPr id="1" name=""/>
+        <p:cNvGrpSpPr/>
+        <p:nvPr/>
+      </p:nvGrpSpPr>
+      <p:grpSpPr>
+        <a:xfrm>
+          <a:off x="0" y="0"/>
+          <a:ext cx="0" cy="0"/>
+          <a:chOff x="0" y="0"/>
+          <a:chExt cx="0" cy="0"/>
+        </a:xfrm>
+      </p:grpSpPr>
+      <p:sp>
+        <p:nvSpPr>
+          <p:cNvPr id="2" name="Title 1">
+            <a:extLst>
+              <a:ext uri="{FF2B5EF4-FFF2-40B4-BE49-F238E27FC236}">
+                <a16:creationId xmlns:a16="http://schemas.microsoft.com/office/drawing/2014/main" id="{5AC638A3-26C2-427C-90BA-BABD7DB1718C}"/>
+              </a:ext>
+            </a:extLst>
+          </p:cNvPr>
+          <p:cNvSpPr>
+            <a:spLocks noGrp="1"/>
+          </p:cNvSpPr>
+          <p:nvPr>
+            <p:ph type="title"/>
+          </p:nvPr>
+        </p:nvSpPr>
+        <p:spPr/>
+        <p:txBody>
+          <a:bodyPr/>
+          <a:lstStyle/>
+          <a:p>
+            <a:endParaRPr lang="en-US" dirty="0"/>
+          </a:p>
+        </p:txBody>
+      </p:sp>
+    </p:spTree>
+    <p:extLst>
+      <p:ext uri="{BB962C8B-B14F-4D97-AF65-F5344CB8AC3E}">
+        <p14:creationId xmlns:p14="http://schemas.microsoft.com/office/powerpoint/2010/main" val="520412419"/>
       </p:ext>
     </p:extLst>
   </p:cSld>

--- a/ICN-IP Coexistence Solutions.pptx
+++ b/ICN-IP Coexistence Solutions.pptx
@@ -11,7 +11,12 @@
     <p:sldId id="260" r:id="rId5"/>
     <p:sldId id="261" r:id="rId6"/>
     <p:sldId id="262" r:id="rId7"/>
-    <p:sldId id="263" r:id="rId8"/>
+    <p:sldId id="264" r:id="rId8"/>
+    <p:sldId id="266" r:id="rId9"/>
+    <p:sldId id="265" r:id="rId10"/>
+    <p:sldId id="267" r:id="rId11"/>
+    <p:sldId id="268" r:id="rId12"/>
+    <p:sldId id="269" r:id="rId13"/>
   </p:sldIdLst>
   <p:sldSz cx="12192000" cy="6858000"/>
   <p:notesSz cx="6858000" cy="9144000"/>
@@ -274,7 +279,7 @@
           <a:p>
             <a:fld id="{5E7AA473-D82F-4EFF-9DF7-AE6D83C51288}" type="datetime1">
               <a:rPr lang="en-US" smtClean="0"/>
-              <a:t>11/1/2021</a:t>
+              <a:t>11/6/2021</a:t>
             </a:fld>
             <a:endParaRPr lang="en-US"/>
           </a:p>
@@ -528,7 +533,7 @@
           <a:p>
             <a:fld id="{1E12F1F0-FE2D-4C1C-B320-8CB9BE735F0F}" type="datetime1">
               <a:rPr lang="en-US" smtClean="0"/>
-              <a:t>11/1/2021</a:t>
+              <a:t>11/6/2021</a:t>
             </a:fld>
             <a:endParaRPr lang="en-US"/>
           </a:p>
@@ -796,7 +801,7 @@
           <a:p>
             <a:fld id="{2CF1B96C-10FD-4EBC-9029-9652B7535D02}" type="datetime1">
               <a:rPr lang="en-US" smtClean="0"/>
-              <a:t>11/1/2021</a:t>
+              <a:t>11/6/2021</a:t>
             </a:fld>
             <a:endParaRPr lang="en-US"/>
           </a:p>
@@ -1050,7 +1055,7 @@
           <a:p>
             <a:fld id="{14878474-CC00-4A95-9D50-A41C12D1EEC4}" type="datetime1">
               <a:rPr lang="en-US" smtClean="0"/>
-              <a:t>11/1/2021</a:t>
+              <a:t>11/6/2021</a:t>
             </a:fld>
             <a:endParaRPr lang="en-US"/>
           </a:p>
@@ -1328,7 +1333,7 @@
           <a:p>
             <a:fld id="{7F38C8B4-7FBB-408F-BDB9-F0496874AFB2}" type="datetime1">
               <a:rPr lang="en-US" smtClean="0"/>
-              <a:t>11/1/2021</a:t>
+              <a:t>11/6/2021</a:t>
             </a:fld>
             <a:endParaRPr lang="en-US"/>
           </a:p>
@@ -1600,7 +1605,7 @@
           <a:p>
             <a:fld id="{2BB8EE20-A5E2-47D3-8F6D-A2BA7AB2E093}" type="datetime1">
               <a:rPr lang="en-US" smtClean="0"/>
-              <a:t>11/1/2021</a:t>
+              <a:t>11/6/2021</a:t>
             </a:fld>
             <a:endParaRPr lang="en-US"/>
           </a:p>
@@ -2158,7 +2163,7 @@
           <a:p>
             <a:fld id="{3382CF99-132F-413F-B7EF-71A5C33F2ED6}" type="datetime1">
               <a:rPr lang="en-US" smtClean="0"/>
-              <a:t>11/1/2021</a:t>
+              <a:t>11/6/2021</a:t>
             </a:fld>
             <a:endParaRPr lang="en-US"/>
           </a:p>
@@ -2300,7 +2305,7 @@
           <a:p>
             <a:fld id="{1F17AE06-98E0-4D9F-A059-92C3548821BB}" type="datetime1">
               <a:rPr lang="en-US" smtClean="0"/>
-              <a:t>11/1/2021</a:t>
+              <a:t>11/6/2021</a:t>
             </a:fld>
             <a:endParaRPr lang="en-US"/>
           </a:p>
@@ -2413,7 +2418,7 @@
           <a:p>
             <a:fld id="{FFBA00CA-3DDC-4705-B840-978EF5EA0707}" type="datetime1">
               <a:rPr lang="en-US" smtClean="0"/>
-              <a:t>11/1/2021</a:t>
+              <a:t>11/6/2021</a:t>
             </a:fld>
             <a:endParaRPr lang="en-US"/>
           </a:p>
@@ -2732,7 +2737,7 @@
           <a:p>
             <a:fld id="{FC366D49-0BBA-4C5A-AD96-6448CA63451A}" type="datetime1">
               <a:rPr lang="en-US" smtClean="0"/>
-              <a:t>11/1/2021</a:t>
+              <a:t>11/6/2021</a:t>
             </a:fld>
             <a:endParaRPr lang="en-US"/>
           </a:p>
@@ -3029,7 +3034,7 @@
           <a:p>
             <a:fld id="{4F4EB293-A316-472D-A8B4-6947CF1A12B7}" type="datetime1">
               <a:rPr lang="en-US" smtClean="0"/>
-              <a:t>11/1/2021</a:t>
+              <a:t>11/6/2021</a:t>
             </a:fld>
             <a:endParaRPr lang="en-US"/>
           </a:p>
@@ -3308,7 +3313,7 @@
           <a:p>
             <a:fld id="{734BCCD4-CEB1-405B-A443-DD9CBCBEA552}" type="datetime1">
               <a:rPr lang="en-US" smtClean="0"/>
-              <a:t>11/1/2021</a:t>
+              <a:t>11/6/2021</a:t>
             </a:fld>
             <a:endParaRPr lang="en-US"/>
           </a:p>
@@ -4160,6 +4165,550 @@
 </p:sld>
 </file>
 
+<file path=ppt/slides/slide10.xml><?xml version="1.0" encoding="utf-8"?>
+<p:sld xmlns:a="http://schemas.openxmlformats.org/drawingml/2006/main" xmlns:r="http://schemas.openxmlformats.org/officeDocument/2006/relationships" xmlns:p="http://schemas.openxmlformats.org/presentationml/2006/main">
+  <p:cSld>
+    <p:spTree>
+      <p:nvGrpSpPr>
+        <p:cNvPr id="1" name=""/>
+        <p:cNvGrpSpPr/>
+        <p:nvPr/>
+      </p:nvGrpSpPr>
+      <p:grpSpPr>
+        <a:xfrm>
+          <a:off x="0" y="0"/>
+          <a:ext cx="0" cy="0"/>
+          <a:chOff x="0" y="0"/>
+          <a:chExt cx="0" cy="0"/>
+        </a:xfrm>
+      </p:grpSpPr>
+      <p:sp>
+        <p:nvSpPr>
+          <p:cNvPr id="2" name="Title 1">
+            <a:extLst>
+              <a:ext uri="{FF2B5EF4-FFF2-40B4-BE49-F238E27FC236}">
+                <a16:creationId xmlns:a16="http://schemas.microsoft.com/office/drawing/2014/main" id="{F5196601-CC79-495A-8B52-422FD59B50E0}"/>
+              </a:ext>
+            </a:extLst>
+          </p:cNvPr>
+          <p:cNvSpPr>
+            <a:spLocks noGrp="1"/>
+          </p:cNvSpPr>
+          <p:nvPr>
+            <p:ph type="title"/>
+          </p:nvPr>
+        </p:nvSpPr>
+        <p:spPr>
+          <a:xfrm>
+            <a:off x="517869" y="978408"/>
+            <a:ext cx="10747893" cy="5555557"/>
+          </a:xfrm>
+        </p:spPr>
+        <p:txBody>
+          <a:bodyPr>
+            <a:normAutofit/>
+          </a:bodyPr>
+          <a:lstStyle/>
+          <a:p>
+            <a:pPr algn="l"/>
+            <a:r>
+              <a:rPr lang="en-US" sz="2300" dirty="0"/>
+              <a:t>- COEXISTENCE Requirements</a:t>
+            </a:r>
+            <a:br>
+              <a:rPr lang="en-US" sz="2300" dirty="0"/>
+            </a:br>
+            <a:br>
+              <a:rPr lang="en-US" sz="2300" dirty="0"/>
+            </a:br>
+            <a:r>
+              <a:rPr lang="en-US" sz="1600" b="0" dirty="0">
+                <a:latin typeface="Times-Roman"/>
+              </a:rPr>
+              <a:t>-  </a:t>
+            </a:r>
+            <a:r>
+              <a:rPr lang="en-US" sz="1600" b="0" dirty="0">
+                <a:solidFill>
+                  <a:schemeClr val="accent3">
+                    <a:lumMod val="50000"/>
+                  </a:schemeClr>
+                </a:solidFill>
+                <a:latin typeface="Times-Roman"/>
+              </a:rPr>
+              <a:t>1) Addressed Coexistence Requirements: </a:t>
+            </a:r>
+            <a:r>
+              <a:rPr lang="en-US" sz="1800" b="0" i="0" u="none" strike="noStrike" baseline="0" dirty="0">
+                <a:latin typeface="Times-Roman"/>
+              </a:rPr>
+              <a:t>In a coexistence </a:t>
+            </a:r>
+            <a:r>
+              <a:rPr lang="en-US" sz="1800" b="0" i="0" u="none" strike="noStrike" baseline="0" dirty="0" err="1">
+                <a:latin typeface="Times-Roman"/>
+              </a:rPr>
+              <a:t>scenario,the</a:t>
+            </a:r>
+            <a:r>
+              <a:rPr lang="en-US" sz="1800" b="0" i="0" u="none" strike="noStrike" baseline="0" dirty="0">
+                <a:latin typeface="Times-Roman"/>
+              </a:rPr>
+              <a:t> different networks might generate conflicts</a:t>
+            </a:r>
+            <a:br>
+              <a:rPr lang="en-US" sz="1800" b="0" i="0" u="none" strike="noStrike" baseline="0" dirty="0">
+                <a:latin typeface="Times-Roman"/>
+              </a:rPr>
+            </a:br>
+            <a:r>
+              <a:rPr lang="en-US" sz="1800" b="0" i="0" u="none" strike="noStrike" baseline="0" dirty="0">
+                <a:latin typeface="Times-Roman"/>
+              </a:rPr>
+              <a:t>  ex. ICN doesn’t provide transport </a:t>
+            </a:r>
+            <a:r>
+              <a:rPr lang="en-US" sz="1800" b="0" i="0" u="none" strike="noStrike" baseline="0" dirty="0" err="1">
+                <a:latin typeface="Times-Roman"/>
+              </a:rPr>
+              <a:t>functionalties</a:t>
+            </a:r>
+            <a:r>
+              <a:rPr lang="en-US" sz="1800" b="0" i="0" u="none" strike="noStrike" baseline="0" dirty="0">
+                <a:latin typeface="Times-Roman"/>
+              </a:rPr>
+              <a:t> provided by the TCP</a:t>
+            </a:r>
+            <a:br>
+              <a:rPr lang="en-US" sz="1800" b="0" i="0" u="none" strike="noStrike" baseline="0" dirty="0">
+                <a:latin typeface="Times-Roman"/>
+              </a:rPr>
+            </a:br>
+            <a:br>
+              <a:rPr lang="en-US" sz="1800" b="0" i="0" u="none" strike="noStrike" baseline="0" dirty="0">
+                <a:latin typeface="Times-Roman"/>
+              </a:rPr>
+            </a:br>
+            <a:br>
+              <a:rPr lang="en-US" sz="1800" b="0" i="0" u="none" strike="noStrike" baseline="0" dirty="0">
+                <a:latin typeface="Times-Roman"/>
+              </a:rPr>
+            </a:br>
+            <a:r>
+              <a:rPr lang="en-US" sz="1800" b="0" i="0" u="none" strike="noStrike" baseline="0" dirty="0">
+                <a:latin typeface="Times-Roman"/>
+              </a:rPr>
+              <a:t> </a:t>
+            </a:r>
+            <a:r>
+              <a:rPr lang="en-US" sz="1800" b="0" dirty="0">
+                <a:latin typeface="Times-Roman"/>
+              </a:rPr>
+              <a:t>- </a:t>
+            </a:r>
+            <a:r>
+              <a:rPr lang="en-US" sz="1600" b="0" dirty="0">
+                <a:solidFill>
+                  <a:srgbClr val="FF0000"/>
+                </a:solidFill>
+                <a:latin typeface="Times-Roman"/>
+              </a:rPr>
+              <a:t>Forwarding</a:t>
+            </a:r>
+            <a:r>
+              <a:rPr lang="en-US" sz="1600" b="0" dirty="0">
+                <a:solidFill>
+                  <a:schemeClr val="accent3">
+                    <a:lumMod val="50000"/>
+                  </a:schemeClr>
+                </a:solidFill>
+                <a:latin typeface="Times-Roman"/>
+              </a:rPr>
+              <a:t>: </a:t>
+            </a:r>
+            <a:r>
+              <a:rPr lang="en-US" sz="1800" b="0" dirty="0">
+                <a:latin typeface="Times-Roman"/>
+              </a:rPr>
+              <a:t>How</a:t>
+            </a:r>
+            <a:r>
+              <a:rPr lang="en-US" sz="1600" b="0" dirty="0">
+                <a:solidFill>
+                  <a:schemeClr val="accent3">
+                    <a:lumMod val="50000"/>
+                  </a:schemeClr>
+                </a:solidFill>
+                <a:latin typeface="Times-Roman"/>
+              </a:rPr>
+              <a:t> </a:t>
+            </a:r>
+            <a:r>
+              <a:rPr lang="en-US" sz="1800" b="0" dirty="0">
+                <a:latin typeface="Times-Roman"/>
+              </a:rPr>
+              <a:t>network forwarding devices should be able to handle packet with different routing identifiers.</a:t>
+            </a:r>
+            <a:br>
+              <a:rPr lang="en-US" sz="1800" b="0" dirty="0">
+                <a:latin typeface="Times-Roman"/>
+              </a:rPr>
+            </a:br>
+            <a:br>
+              <a:rPr lang="en-US" sz="1800" b="0" dirty="0">
+                <a:solidFill>
+                  <a:schemeClr val="accent3">
+                    <a:lumMod val="50000"/>
+                  </a:schemeClr>
+                </a:solidFill>
+                <a:latin typeface="Times-Roman"/>
+              </a:rPr>
+            </a:br>
+            <a:r>
+              <a:rPr lang="en-US" sz="1800" b="0" dirty="0">
+                <a:solidFill>
+                  <a:schemeClr val="accent3">
+                    <a:lumMod val="50000"/>
+                  </a:schemeClr>
+                </a:solidFill>
+                <a:latin typeface="Times-Roman"/>
+              </a:rPr>
+              <a:t> - </a:t>
+            </a:r>
+            <a:r>
+              <a:rPr lang="en-US" sz="1800" b="0" dirty="0">
+                <a:solidFill>
+                  <a:srgbClr val="FF0000"/>
+                </a:solidFill>
+                <a:latin typeface="Times-Roman"/>
+              </a:rPr>
+              <a:t>Storage</a:t>
+            </a:r>
+            <a:r>
+              <a:rPr lang="en-US" sz="1800" b="0" i="0" u="none" strike="noStrike" baseline="0" dirty="0">
+                <a:latin typeface="Times-Roman"/>
+              </a:rPr>
+              <a:t>	: the network devices should support in-network caching to serve the content request and reduce bandwidth consumption.</a:t>
+            </a:r>
+            <a:br>
+              <a:rPr lang="en-US" sz="1800" b="0" i="0" u="none" strike="noStrike" baseline="0" dirty="0">
+                <a:latin typeface="Times-Roman"/>
+              </a:rPr>
+            </a:br>
+            <a:br>
+              <a:rPr lang="en-US" sz="1800" b="0" i="0" u="none" strike="noStrike" baseline="0" dirty="0">
+                <a:latin typeface="Times-Roman"/>
+              </a:rPr>
+            </a:br>
+            <a:r>
+              <a:rPr lang="en-US" sz="1800" b="0" i="0" u="none" strike="noStrike" baseline="0" dirty="0">
+                <a:latin typeface="Times-Roman"/>
+              </a:rPr>
+              <a:t> - </a:t>
+            </a:r>
+            <a:r>
+              <a:rPr lang="en-US" sz="1600" b="0" dirty="0">
+                <a:solidFill>
+                  <a:srgbClr val="FF0000"/>
+                </a:solidFill>
+                <a:latin typeface="Times-Roman"/>
+              </a:rPr>
+              <a:t>Security</a:t>
+            </a:r>
+            <a:r>
+              <a:rPr lang="en-US" sz="1600" b="0" dirty="0">
+                <a:solidFill>
+                  <a:schemeClr val="accent3">
+                    <a:lumMod val="50000"/>
+                  </a:schemeClr>
+                </a:solidFill>
+                <a:latin typeface="Times-Roman"/>
+              </a:rPr>
+              <a:t>: </a:t>
+            </a:r>
+            <a:r>
+              <a:rPr lang="en-US" sz="1800" b="0" dirty="0">
+                <a:latin typeface="Times-Roman"/>
+              </a:rPr>
+              <a:t>the network devices should preserve the security policies from the source network to the destination </a:t>
+            </a:r>
+            <a:br>
+              <a:rPr lang="en-US" sz="1800" b="0" dirty="0">
+                <a:latin typeface="Times-Roman"/>
+              </a:rPr>
+            </a:br>
+            <a:r>
+              <a:rPr lang="en-US" sz="1800" b="0" i="0" u="none" strike="noStrike" baseline="0" dirty="0">
+                <a:latin typeface="Times-Roman"/>
+              </a:rPr>
+              <a:t>such as authenticating the digital signatures of content objects for content-based security</a:t>
+            </a:r>
+            <a:br>
+              <a:rPr lang="en-US" sz="1800" b="0" i="0" u="none" strike="noStrike" baseline="0" dirty="0">
+                <a:latin typeface="Times-Roman"/>
+              </a:rPr>
+            </a:br>
+            <a:br>
+              <a:rPr lang="en-US" sz="1800" b="0" i="0" u="none" strike="noStrike" baseline="0" dirty="0">
+                <a:latin typeface="Times-Roman"/>
+              </a:rPr>
+            </a:br>
+            <a:br>
+              <a:rPr lang="en-US" sz="1800" b="0" i="0" u="none" strike="noStrike" baseline="0" dirty="0">
+                <a:latin typeface="Times-Roman"/>
+              </a:rPr>
+            </a:br>
+            <a:r>
+              <a:rPr lang="en-US" sz="1800" b="0" i="0" u="none" strike="noStrike" baseline="0" dirty="0">
+                <a:latin typeface="Times-Roman"/>
+              </a:rPr>
+              <a:t> - </a:t>
+            </a:r>
+            <a:r>
+              <a:rPr lang="en-US" sz="1600" b="0" dirty="0">
+                <a:solidFill>
+                  <a:srgbClr val="FF0000"/>
+                </a:solidFill>
+                <a:latin typeface="Times-Roman"/>
+              </a:rPr>
+              <a:t>Management</a:t>
+            </a:r>
+            <a:r>
+              <a:rPr lang="en-US" sz="1600" b="0" dirty="0">
+                <a:solidFill>
+                  <a:schemeClr val="accent3">
+                    <a:lumMod val="50000"/>
+                  </a:schemeClr>
+                </a:solidFill>
+                <a:latin typeface="Times-Roman"/>
+              </a:rPr>
+              <a:t> </a:t>
+            </a:r>
+            <a:r>
+              <a:rPr lang="en-US" sz="1800" b="0" dirty="0">
+                <a:latin typeface="Times-Roman"/>
+              </a:rPr>
+              <a:t>the network devices should support management-related operations such as </a:t>
+            </a:r>
+            <a:r>
+              <a:rPr lang="en-US" sz="1800" b="0" dirty="0" err="1">
+                <a:latin typeface="Times-Roman"/>
+              </a:rPr>
+              <a:t>trafficshaping</a:t>
+            </a:r>
+            <a:r>
+              <a:rPr lang="en-US" sz="1800" b="0" dirty="0">
+                <a:latin typeface="Times-Roman"/>
+              </a:rPr>
+              <a:t>/ engineering, load-balancing, and explicit path steering.</a:t>
+            </a:r>
+          </a:p>
+        </p:txBody>
+      </p:sp>
+    </p:spTree>
+    <p:extLst>
+      <p:ext uri="{BB962C8B-B14F-4D97-AF65-F5344CB8AC3E}">
+        <p14:creationId xmlns:p14="http://schemas.microsoft.com/office/powerpoint/2010/main" val="375120480"/>
+      </p:ext>
+    </p:extLst>
+  </p:cSld>
+  <p:clrMapOvr>
+    <a:masterClrMapping/>
+  </p:clrMapOvr>
+</p:sld>
+</file>
+
+<file path=ppt/slides/slide11.xml><?xml version="1.0" encoding="utf-8"?>
+<p:sld xmlns:a="http://schemas.openxmlformats.org/drawingml/2006/main" xmlns:r="http://schemas.openxmlformats.org/officeDocument/2006/relationships" xmlns:p="http://schemas.openxmlformats.org/presentationml/2006/main">
+  <p:cSld>
+    <p:spTree>
+      <p:nvGrpSpPr>
+        <p:cNvPr id="1" name=""/>
+        <p:cNvGrpSpPr/>
+        <p:nvPr/>
+      </p:nvGrpSpPr>
+      <p:grpSpPr>
+        <a:xfrm>
+          <a:off x="0" y="0"/>
+          <a:ext cx="0" cy="0"/>
+          <a:chOff x="0" y="0"/>
+          <a:chExt cx="0" cy="0"/>
+        </a:xfrm>
+      </p:grpSpPr>
+      <p:sp>
+        <p:nvSpPr>
+          <p:cNvPr id="2" name="Title 1">
+            <a:extLst>
+              <a:ext uri="{FF2B5EF4-FFF2-40B4-BE49-F238E27FC236}">
+                <a16:creationId xmlns:a16="http://schemas.microsoft.com/office/drawing/2014/main" id="{F5196601-CC79-495A-8B52-422FD59B50E0}"/>
+              </a:ext>
+            </a:extLst>
+          </p:cNvPr>
+          <p:cNvSpPr>
+            <a:spLocks noGrp="1"/>
+          </p:cNvSpPr>
+          <p:nvPr>
+            <p:ph type="title"/>
+          </p:nvPr>
+        </p:nvSpPr>
+        <p:spPr>
+          <a:xfrm>
+            <a:off x="517869" y="978408"/>
+            <a:ext cx="10747893" cy="5555557"/>
+          </a:xfrm>
+        </p:spPr>
+        <p:txBody>
+          <a:bodyPr>
+            <a:normAutofit/>
+          </a:bodyPr>
+          <a:lstStyle/>
+          <a:p>
+            <a:pPr algn="l"/>
+            <a:r>
+              <a:rPr lang="en-US" sz="2300" dirty="0"/>
+              <a:t>- deployment of a coexistence architecture - real scenarios challenges:</a:t>
+            </a:r>
+            <a:br>
+              <a:rPr lang="en-US" sz="2300" dirty="0"/>
+            </a:br>
+            <a:r>
+              <a:rPr lang="en-US" sz="1800" b="0" i="0" u="none" strike="noStrike" baseline="0" dirty="0">
+                <a:latin typeface="Times-Roman"/>
+              </a:rPr>
+              <a:t>As evaluation parameters, the following challenges arises.</a:t>
+            </a:r>
+            <a:br>
+              <a:rPr lang="en-US" sz="2300" dirty="0"/>
+            </a:br>
+            <a:br>
+              <a:rPr lang="en-US" sz="2300" dirty="0"/>
+            </a:br>
+            <a:r>
+              <a:rPr lang="en-US" sz="1600" b="0" dirty="0">
+                <a:latin typeface="Times-Roman"/>
+              </a:rPr>
+              <a:t>-  </a:t>
+            </a:r>
+            <a:r>
+              <a:rPr lang="en-US" sz="1600" b="0" dirty="0">
+                <a:solidFill>
+                  <a:schemeClr val="accent3">
+                    <a:lumMod val="50000"/>
+                  </a:schemeClr>
+                </a:solidFill>
+                <a:latin typeface="Times-Roman"/>
+              </a:rPr>
+              <a:t> Access control      - Scalability            - Dynamic network management      -  Latency              -  Traffic management</a:t>
+            </a:r>
+            <a:br>
+              <a:rPr lang="en-US" sz="1800" b="0" i="0" u="none" strike="noStrike" baseline="0" dirty="0">
+                <a:latin typeface="Times-Roman"/>
+              </a:rPr>
+            </a:br>
+            <a:br>
+              <a:rPr lang="en-US" sz="1800" b="0" i="0" u="none" strike="noStrike" baseline="0" dirty="0">
+                <a:latin typeface="Times-Roman"/>
+              </a:rPr>
+            </a:br>
+            <a:endParaRPr lang="en-US" sz="1800" b="0" dirty="0">
+              <a:latin typeface="Times-Roman"/>
+            </a:endParaRPr>
+          </a:p>
+        </p:txBody>
+      </p:sp>
+    </p:spTree>
+    <p:extLst>
+      <p:ext uri="{BB962C8B-B14F-4D97-AF65-F5344CB8AC3E}">
+        <p14:creationId xmlns:p14="http://schemas.microsoft.com/office/powerpoint/2010/main" val="1133619270"/>
+      </p:ext>
+    </p:extLst>
+  </p:cSld>
+  <p:clrMapOvr>
+    <a:masterClrMapping/>
+  </p:clrMapOvr>
+</p:sld>
+</file>
+
+<file path=ppt/slides/slide12.xml><?xml version="1.0" encoding="utf-8"?>
+<p:sld xmlns:a="http://schemas.openxmlformats.org/drawingml/2006/main" xmlns:r="http://schemas.openxmlformats.org/officeDocument/2006/relationships" xmlns:p="http://schemas.openxmlformats.org/presentationml/2006/main">
+  <p:cSld>
+    <p:spTree>
+      <p:nvGrpSpPr>
+        <p:cNvPr id="1" name=""/>
+        <p:cNvGrpSpPr/>
+        <p:nvPr/>
+      </p:nvGrpSpPr>
+      <p:grpSpPr>
+        <a:xfrm>
+          <a:off x="0" y="0"/>
+          <a:ext cx="0" cy="0"/>
+          <a:chOff x="0" y="0"/>
+          <a:chExt cx="0" cy="0"/>
+        </a:xfrm>
+      </p:grpSpPr>
+      <p:sp>
+        <p:nvSpPr>
+          <p:cNvPr id="2" name="Title 1">
+            <a:extLst>
+              <a:ext uri="{FF2B5EF4-FFF2-40B4-BE49-F238E27FC236}">
+                <a16:creationId xmlns:a16="http://schemas.microsoft.com/office/drawing/2014/main" id="{F5196601-CC79-495A-8B52-422FD59B50E0}"/>
+              </a:ext>
+            </a:extLst>
+          </p:cNvPr>
+          <p:cNvSpPr>
+            <a:spLocks noGrp="1"/>
+          </p:cNvSpPr>
+          <p:nvPr>
+            <p:ph type="title"/>
+          </p:nvPr>
+        </p:nvSpPr>
+        <p:spPr>
+          <a:xfrm>
+            <a:off x="517869" y="978408"/>
+            <a:ext cx="10747893" cy="5555557"/>
+          </a:xfrm>
+        </p:spPr>
+        <p:txBody>
+          <a:bodyPr>
+            <a:normAutofit/>
+          </a:bodyPr>
+          <a:lstStyle/>
+          <a:p>
+            <a:pPr algn="l"/>
+            <a:r>
+              <a:rPr lang="en-US" sz="2300" dirty="0"/>
+              <a:t>- CLASSIFICATION OF THE COEXISTENCE ARCHITECTURES:</a:t>
+            </a:r>
+            <a:br>
+              <a:rPr lang="en-US" sz="2300"/>
+            </a:br>
+            <a:br>
+              <a:rPr lang="en-US" sz="2300"/>
+            </a:br>
+            <a:br>
+              <a:rPr lang="en-US" sz="1800" b="0" i="0" u="none" strike="noStrike" baseline="0" dirty="0">
+                <a:latin typeface="Times-Roman"/>
+              </a:rPr>
+            </a:br>
+            <a:endParaRPr lang="en-US" sz="1800" b="0" dirty="0">
+              <a:latin typeface="Times-Roman"/>
+            </a:endParaRPr>
+          </a:p>
+        </p:txBody>
+      </p:sp>
+    </p:spTree>
+    <p:extLst>
+      <p:ext uri="{BB962C8B-B14F-4D97-AF65-F5344CB8AC3E}">
+        <p14:creationId xmlns:p14="http://schemas.microsoft.com/office/powerpoint/2010/main" val="2517848144"/>
+      </p:ext>
+    </p:extLst>
+  </p:cSld>
+  <p:clrMapOvr>
+    <a:masterClrMapping/>
+  </p:clrMapOvr>
+</p:sld>
+</file>
+
 <file path=ppt/slides/slide2.xml><?xml version="1.0" encoding="utf-8"?>
 <p:sld xmlns:a="http://schemas.openxmlformats.org/drawingml/2006/main" xmlns:r="http://schemas.openxmlformats.org/officeDocument/2006/relationships" xmlns:p="http://schemas.openxmlformats.org/presentationml/2006/main">
   <p:cSld>
@@ -6425,6 +6974,9 @@
             <a:br>
               <a:rPr lang="en-US" sz="1800" b="0" dirty="0"/>
             </a:br>
+            <a:br>
+              <a:rPr lang="en-US" sz="1800" b="0" dirty="0"/>
+            </a:br>
             <a:r>
               <a:rPr lang="en-US" sz="1800" b="0" dirty="0"/>
               <a:t>- </a:t>
@@ -6447,6 +6999,11 @@
               </a:rPr>
               <a:t>their location information, thus being privacy supporting.</a:t>
             </a:r>
+            <a:br>
+              <a:rPr lang="en-US" sz="1800" b="0" i="0" u="none" strike="noStrike" baseline="0" dirty="0">
+                <a:latin typeface="Times-Roman"/>
+              </a:rPr>
+            </a:br>
             <a:br>
               <a:rPr lang="en-US" sz="1800" b="0" i="0" u="none" strike="noStrike" baseline="0" dirty="0">
                 <a:latin typeface="Times-Roman"/>
@@ -7271,6 +7828,122 @@
               <a:t>-  </a:t>
             </a:r>
             <a:r>
+              <a:rPr lang="en-US" sz="1600" dirty="0">
+                <a:solidFill>
+                  <a:schemeClr val="accent3">
+                    <a:lumMod val="50000"/>
+                  </a:schemeClr>
+                </a:solidFill>
+                <a:latin typeface="Times-Roman"/>
+              </a:rPr>
+              <a:t>Name Resolution: </a:t>
+            </a:r>
+            <a:r>
+              <a:rPr lang="en-US" sz="1800" b="0" i="0" u="none" strike="noStrike" baseline="0" dirty="0">
+                <a:latin typeface="Times-Roman"/>
+              </a:rPr>
+              <a:t>differs according to the forwarding approach in case of name-based routing, the requester specifies a content by providing its full name // which is the same name</a:t>
+            </a:r>
+            <a:br>
+              <a:rPr lang="en-US" sz="1800" b="0" i="0" u="none" strike="noStrike" baseline="0" dirty="0">
+                <a:latin typeface="Times-Roman"/>
+              </a:rPr>
+            </a:br>
+            <a:br>
+              <a:rPr lang="en-US" sz="1800" b="0" i="0" u="none" strike="noStrike" baseline="0" dirty="0">
+                <a:latin typeface="Times-Roman"/>
+              </a:rPr>
+            </a:br>
+            <a:r>
+              <a:rPr lang="en-US" sz="1800" b="0" i="0" u="none" strike="noStrike" baseline="0" dirty="0">
+                <a:latin typeface="Times-Roman"/>
+              </a:rPr>
+              <a:t>  PURSUIT or </a:t>
+            </a:r>
+            <a:r>
+              <a:rPr lang="en-US" sz="1800" b="0" i="0" u="none" strike="noStrike" baseline="0" dirty="0" err="1">
+                <a:latin typeface="Times-Roman"/>
+              </a:rPr>
+              <a:t>NetInf</a:t>
+            </a:r>
+            <a:r>
+              <a:rPr lang="en-US" sz="1800" b="0" i="0" u="none" strike="noStrike" baseline="0" dirty="0">
+                <a:latin typeface="Times-Roman"/>
+              </a:rPr>
+              <a:t>, there is always a dedicated node in the network, which is responsible for the mapping             between publishers and subscribers</a:t>
+            </a:r>
+            <a:br>
+              <a:rPr lang="en-US" sz="1800" b="0" i="0" u="none" strike="noStrike" baseline="0" dirty="0">
+                <a:latin typeface="Times-Roman"/>
+              </a:rPr>
+            </a:br>
+            <a:br>
+              <a:rPr lang="en-US" sz="1800" b="0" i="0" u="none" strike="noStrike" baseline="0" dirty="0">
+                <a:latin typeface="Times-Roman"/>
+              </a:rPr>
+            </a:br>
+            <a:r>
+              <a:rPr lang="en-US" sz="1800" b="0" i="0" u="none" strike="noStrike" baseline="0" dirty="0">
+                <a:latin typeface="Times-Roman"/>
+              </a:rPr>
+              <a:t>-  </a:t>
+            </a:r>
+            <a:r>
+              <a:rPr lang="en-US" sz="1600" i="0" u="none" strike="noStrike" baseline="0" dirty="0">
+                <a:solidFill>
+                  <a:schemeClr val="accent3">
+                    <a:lumMod val="50000"/>
+                  </a:schemeClr>
+                </a:solidFill>
+                <a:latin typeface="Times-Roman"/>
+              </a:rPr>
+              <a:t>Storing</a:t>
+            </a:r>
+            <a:r>
+              <a:rPr lang="en-US" sz="1600" dirty="0">
+                <a:solidFill>
+                  <a:schemeClr val="accent3">
+                    <a:lumMod val="50000"/>
+                  </a:schemeClr>
+                </a:solidFill>
+                <a:latin typeface="Times-Roman"/>
+              </a:rPr>
+              <a:t>: </a:t>
+            </a:r>
+            <a:r>
+              <a:rPr lang="en-US" sz="1800" b="0" i="0" u="none" strike="noStrike" baseline="0" dirty="0">
+                <a:latin typeface="Times-Roman"/>
+              </a:rPr>
+              <a:t>in ICN, caching is fundamental and almost any node is able to cache contents and to serve the corresponding requests.</a:t>
+            </a:r>
+            <a:br>
+              <a:rPr lang="en-US" sz="1800" b="0" i="0" u="none" strike="noStrike" baseline="0" dirty="0">
+                <a:latin typeface="Times-Roman"/>
+              </a:rPr>
+            </a:br>
+            <a:br>
+              <a:rPr lang="en-US" sz="1800" b="0" i="0" u="none" strike="noStrike" baseline="0" dirty="0">
+                <a:latin typeface="Times-Roman"/>
+              </a:rPr>
+            </a:br>
+            <a:r>
+              <a:rPr lang="en-US" sz="1800" b="0" i="0" u="none" strike="noStrike" baseline="0" dirty="0">
+                <a:latin typeface="Times-Roman"/>
+              </a:rPr>
+              <a:t>- </a:t>
+            </a:r>
+            <a:r>
+              <a:rPr lang="en-US" sz="1600" dirty="0">
+                <a:solidFill>
+                  <a:schemeClr val="accent3">
+                    <a:lumMod val="50000"/>
+                  </a:schemeClr>
+                </a:solidFill>
+                <a:latin typeface="Times-Roman"/>
+              </a:rPr>
+              <a:t>Traffic Management</a:t>
+            </a:r>
+            <a:r>
               <a:rPr lang="en-US" sz="1600" b="0" dirty="0">
                 <a:solidFill>
                   <a:schemeClr val="accent3">
@@ -7279,112 +7952,7 @@
                 </a:solidFill>
                 <a:latin typeface="Times-Roman"/>
               </a:rPr>
-              <a:t>Name Resolution: </a:t>
-            </a:r>
-            <a:r>
-              <a:rPr lang="en-US" sz="1800" b="0" i="0" u="none" strike="noStrike" baseline="0" dirty="0">
-                <a:latin typeface="Times-Roman"/>
-              </a:rPr>
-              <a:t>differs according to the forwarding approach in case of name-based routing, the requester specifies a content by providing its full name // which is the same name</a:t>
-            </a:r>
-            <a:br>
-              <a:rPr lang="en-US" sz="1800" b="0" i="0" u="none" strike="noStrike" baseline="0" dirty="0">
-                <a:latin typeface="Times-Roman"/>
-              </a:rPr>
-            </a:br>
-            <a:br>
-              <a:rPr lang="en-US" sz="1800" b="0" i="0" u="none" strike="noStrike" baseline="0" dirty="0">
-                <a:latin typeface="Times-Roman"/>
-              </a:rPr>
-            </a:br>
-            <a:r>
-              <a:rPr lang="en-US" sz="1800" b="0" i="0" u="none" strike="noStrike" baseline="0" dirty="0">
-                <a:latin typeface="Times-Roman"/>
-              </a:rPr>
-              <a:t>  PURSUIT or </a:t>
-            </a:r>
-            <a:r>
-              <a:rPr lang="en-US" sz="1800" b="0" i="0" u="none" strike="noStrike" baseline="0" dirty="0" err="1">
-                <a:latin typeface="Times-Roman"/>
-              </a:rPr>
-              <a:t>NetInf</a:t>
-            </a:r>
-            <a:r>
-              <a:rPr lang="en-US" sz="1800" b="0" i="0" u="none" strike="noStrike" baseline="0" dirty="0">
-                <a:latin typeface="Times-Roman"/>
-              </a:rPr>
-              <a:t>, there is always a dedicated node in the network, which is responsible for the mapping             between publishers and subscribers</a:t>
-            </a:r>
-            <a:br>
-              <a:rPr lang="en-US" sz="1800" b="0" i="0" u="none" strike="noStrike" baseline="0" dirty="0">
-                <a:latin typeface="Times-Roman"/>
-              </a:rPr>
-            </a:br>
-            <a:br>
-              <a:rPr lang="en-US" sz="1800" b="0" i="0" u="none" strike="noStrike" baseline="0" dirty="0">
-                <a:latin typeface="Times-Roman"/>
-              </a:rPr>
-            </a:br>
-            <a:r>
-              <a:rPr lang="en-US" sz="1800" b="0" i="0" u="none" strike="noStrike" baseline="0" dirty="0">
-                <a:latin typeface="Times-Roman"/>
-              </a:rPr>
-              <a:t>-  </a:t>
-            </a:r>
-            <a:r>
-              <a:rPr lang="en-US" sz="1600" b="0" i="0" u="none" strike="noStrike" baseline="0" dirty="0">
-                <a:solidFill>
-                  <a:schemeClr val="accent3">
-                    <a:lumMod val="50000"/>
-                  </a:schemeClr>
-                </a:solidFill>
-                <a:latin typeface="Times-Roman"/>
-              </a:rPr>
-              <a:t>Storing</a:t>
-            </a:r>
-            <a:r>
-              <a:rPr lang="en-US" sz="1600" b="0" dirty="0">
-                <a:solidFill>
-                  <a:schemeClr val="accent3">
-                    <a:lumMod val="50000"/>
-                  </a:schemeClr>
-                </a:solidFill>
-                <a:latin typeface="Times-Roman"/>
-              </a:rPr>
               <a:t>: </a:t>
-            </a:r>
-            <a:r>
-              <a:rPr lang="en-US" sz="1800" b="0" i="0" u="none" strike="noStrike" baseline="0" dirty="0">
-                <a:latin typeface="Times-Roman"/>
-              </a:rPr>
-              <a:t>in ICN, caching is fundamental and almost any node is able to cache contents and to serve the corresponding requests.</a:t>
-            </a:r>
-            <a:br>
-              <a:rPr lang="en-US" sz="1800" b="0" i="0" u="none" strike="noStrike" baseline="0" dirty="0">
-                <a:latin typeface="Times-Roman"/>
-              </a:rPr>
-            </a:br>
-            <a:br>
-              <a:rPr lang="en-US" sz="1800" b="0" i="0" u="none" strike="noStrike" baseline="0" dirty="0">
-                <a:latin typeface="Times-Roman"/>
-              </a:rPr>
-            </a:br>
-            <a:r>
-              <a:rPr lang="en-US" sz="1800" b="0" i="0" u="none" strike="noStrike" baseline="0" dirty="0">
-                <a:latin typeface="Times-Roman"/>
-              </a:rPr>
-              <a:t>- </a:t>
-            </a:r>
-            <a:r>
-              <a:rPr lang="en-US" sz="1600" b="0" dirty="0">
-                <a:solidFill>
-                  <a:schemeClr val="accent3">
-                    <a:lumMod val="50000"/>
-                  </a:schemeClr>
-                </a:solidFill>
-                <a:latin typeface="Times-Roman"/>
-              </a:rPr>
-              <a:t>Traffic Management: </a:t>
             </a:r>
             <a:r>
               <a:rPr lang="en-US" sz="1800" b="0" i="0" u="none" strike="noStrike" baseline="0" dirty="0">
@@ -7472,7 +8040,7 @@
           <p:cNvPr id="2" name="Title 1">
             <a:extLst>
               <a:ext uri="{FF2B5EF4-FFF2-40B4-BE49-F238E27FC236}">
-                <a16:creationId xmlns:a16="http://schemas.microsoft.com/office/drawing/2014/main" id="{5AC638A3-26C2-427C-90BA-BABD7DB1718C}"/>
+                <a16:creationId xmlns:a16="http://schemas.microsoft.com/office/drawing/2014/main" id="{F5196601-CC79-495A-8B52-422FD59B50E0}"/>
               </a:ext>
             </a:extLst>
           </p:cNvPr>
@@ -7483,19 +8051,976 @@
             <p:ph type="title"/>
           </p:nvPr>
         </p:nvSpPr>
-        <p:spPr/>
-        <p:txBody>
-          <a:bodyPr/>
-          <a:lstStyle/>
-          <a:p>
-            <a:endParaRPr lang="en-US" dirty="0"/>
+        <p:spPr>
+          <a:xfrm>
+            <a:off x="517869" y="978408"/>
+            <a:ext cx="10747893" cy="5555557"/>
+          </a:xfrm>
+        </p:spPr>
+        <p:txBody>
+          <a:bodyPr>
+            <a:normAutofit/>
+          </a:bodyPr>
+          <a:lstStyle/>
+          <a:p>
+            <a:pPr algn="l"/>
+            <a:r>
+              <a:rPr lang="en-US" sz="2300" dirty="0"/>
+              <a:t>- Benefits of ICN-Based Architectures</a:t>
+            </a:r>
+            <a:br>
+              <a:rPr lang="en-US" sz="2300" dirty="0"/>
+            </a:br>
+            <a:br>
+              <a:rPr lang="en-US" sz="2300" dirty="0"/>
+            </a:br>
+            <a:r>
+              <a:rPr lang="en-US" sz="1600" b="0" dirty="0">
+                <a:latin typeface="Times-Roman"/>
+              </a:rPr>
+              <a:t>-  </a:t>
+            </a:r>
+            <a:r>
+              <a:rPr lang="en-US" sz="1600" dirty="0">
+                <a:solidFill>
+                  <a:schemeClr val="accent3">
+                    <a:lumMod val="50000"/>
+                  </a:schemeClr>
+                </a:solidFill>
+                <a:latin typeface="Times-Roman"/>
+              </a:rPr>
+              <a:t>Scalable and Cost-Efficient Content Distribution: </a:t>
+            </a:r>
+            <a:r>
+              <a:rPr lang="en-US" sz="1800" b="0" i="0" u="none" strike="noStrike" baseline="0" dirty="0">
+                <a:latin typeface="Times-Roman"/>
+              </a:rPr>
+              <a:t>the inherent ICN support for caching at the network layer, together with the receiver-driven mechanism, the support for mobility and the </a:t>
+            </a:r>
+            <a:r>
+              <a:rPr lang="en-US" sz="1800" b="0" i="0" u="sng" strike="noStrike" baseline="0" dirty="0">
+                <a:latin typeface="Times-Roman"/>
+              </a:rPr>
+              <a:t>multicast routing</a:t>
+            </a:r>
+            <a:br>
+              <a:rPr lang="en-US" sz="1800" b="0" i="0" u="none" strike="noStrike" baseline="0" dirty="0">
+                <a:latin typeface="Times-Roman"/>
+              </a:rPr>
+            </a:br>
+            <a:br>
+              <a:rPr lang="en-US" sz="1800" b="0" i="0" u="none" strike="noStrike" baseline="0" dirty="0">
+                <a:latin typeface="Times-Roman"/>
+              </a:rPr>
+            </a:br>
+            <a:br>
+              <a:rPr lang="en-US" sz="1800" b="0" i="0" u="none" strike="noStrike" baseline="0" dirty="0">
+                <a:latin typeface="Times-Roman"/>
+              </a:rPr>
+            </a:br>
+            <a:r>
+              <a:rPr lang="en-US" sz="1800" b="0" i="0" u="none" strike="noStrike" baseline="0" dirty="0">
+                <a:latin typeface="Times-Roman"/>
+              </a:rPr>
+              <a:t>-  </a:t>
+            </a:r>
+            <a:r>
+              <a:rPr lang="en-US" sz="1600" i="0" u="none" strike="noStrike" baseline="0" dirty="0">
+                <a:solidFill>
+                  <a:schemeClr val="accent3">
+                    <a:lumMod val="50000"/>
+                  </a:schemeClr>
+                </a:solidFill>
+                <a:latin typeface="Times-Roman"/>
+              </a:rPr>
+              <a:t>Mobility and Multihoming</a:t>
+            </a:r>
+            <a:r>
+              <a:rPr lang="en-US" sz="1600" dirty="0">
+                <a:solidFill>
+                  <a:schemeClr val="accent3">
+                    <a:lumMod val="50000"/>
+                  </a:schemeClr>
+                </a:solidFill>
+                <a:latin typeface="Times-Roman"/>
+              </a:rPr>
+              <a:t>: </a:t>
+            </a:r>
+            <a:r>
+              <a:rPr lang="en-US" sz="1800" b="0" i="0" u="none" strike="noStrike" baseline="0" dirty="0">
+                <a:latin typeface="Times-Roman"/>
+              </a:rPr>
+              <a:t>ICN supports the mobility at the network layer by decoupling time and space between</a:t>
+            </a:r>
+            <a:br>
+              <a:rPr lang="en-US" sz="1800" b="0" i="0" u="none" strike="noStrike" baseline="0" dirty="0">
+                <a:latin typeface="Times-Roman"/>
+              </a:rPr>
+            </a:br>
+            <a:r>
+              <a:rPr lang="en-US" sz="1800" b="0" i="0" u="none" strike="noStrike" baseline="0" dirty="0">
+                <a:latin typeface="Times-Roman"/>
+              </a:rPr>
+              <a:t>request resolution and content transfer it has tow features for mobility 1- receiver-driven communication</a:t>
+            </a:r>
+            <a:br>
+              <a:rPr lang="en-US" sz="1800" b="0" i="0" u="none" strike="noStrike" baseline="0" dirty="0">
+                <a:latin typeface="Times-Roman"/>
+              </a:rPr>
+            </a:br>
+            <a:r>
+              <a:rPr lang="en-US" sz="1800" b="0" i="0" u="none" strike="noStrike" baseline="0" dirty="0">
+                <a:latin typeface="Times-Roman"/>
+              </a:rPr>
+              <a:t>model 2- connectionless request/response communication model and  perfect approach to DTN //transport session</a:t>
+            </a:r>
+            <a:br>
+              <a:rPr lang="en-US" sz="1800" b="0" i="0" u="none" strike="noStrike" baseline="0" dirty="0">
+                <a:latin typeface="Times-Roman"/>
+              </a:rPr>
+            </a:br>
+            <a:br>
+              <a:rPr lang="en-US" sz="1800" b="0" i="0" u="none" strike="noStrike" baseline="0" dirty="0">
+                <a:latin typeface="Times-Roman"/>
+              </a:rPr>
+            </a:br>
+            <a:r>
+              <a:rPr lang="en-US" sz="1800" b="0" i="0" u="none" strike="noStrike" baseline="0" dirty="0">
+                <a:latin typeface="Times-Roman"/>
+              </a:rPr>
+              <a:t>- </a:t>
+            </a:r>
+            <a:r>
+              <a:rPr lang="en-US" sz="1600" dirty="0">
+                <a:solidFill>
+                  <a:schemeClr val="accent3">
+                    <a:lumMod val="50000"/>
+                  </a:schemeClr>
+                </a:solidFill>
+                <a:latin typeface="Times-Roman"/>
+              </a:rPr>
+              <a:t>Security</a:t>
+            </a:r>
+            <a:r>
+              <a:rPr lang="en-US" sz="1600" b="0" dirty="0">
+                <a:solidFill>
+                  <a:schemeClr val="accent3">
+                    <a:lumMod val="50000"/>
+                  </a:schemeClr>
+                </a:solidFill>
+                <a:latin typeface="Times-Roman"/>
+              </a:rPr>
+              <a:t>: </a:t>
+            </a:r>
+            <a:r>
+              <a:rPr lang="en-US" sz="1800" b="0" i="0" u="none" strike="noStrike" baseline="0" dirty="0">
+                <a:latin typeface="Times-Roman"/>
+              </a:rPr>
+              <a:t>content integrity and source authentication, For a content-centric architecture, where contents</a:t>
+            </a:r>
+            <a:br>
+              <a:rPr lang="en-US" sz="1800" b="0" i="0" u="none" strike="noStrike" baseline="0" dirty="0">
+                <a:latin typeface="Times-Roman"/>
+              </a:rPr>
+            </a:br>
+            <a:r>
+              <a:rPr lang="en-US" sz="1800" b="0" i="0" u="none" strike="noStrike" baseline="0" dirty="0">
+                <a:latin typeface="Times-Roman"/>
+              </a:rPr>
+              <a:t>can be located and provided in any point of the network, and not only by the original content producer, the security is particularly significant.</a:t>
+            </a:r>
+            <a:br>
+              <a:rPr lang="en-US" sz="1800" b="0" i="0" u="none" strike="noStrike" baseline="0" dirty="0">
+                <a:latin typeface="Times-Roman"/>
+              </a:rPr>
+            </a:br>
+            <a:br>
+              <a:rPr lang="en-US" sz="1800" b="0" i="0" u="none" strike="noStrike" baseline="0" dirty="0">
+                <a:latin typeface="Times-Roman"/>
+              </a:rPr>
+            </a:br>
+            <a:r>
+              <a:rPr lang="en-US" sz="1800" b="0" i="0" u="none" strike="noStrike" baseline="0" dirty="0">
+                <a:latin typeface="Times-Roman"/>
+              </a:rPr>
+              <a:t>- </a:t>
+            </a:r>
+            <a:r>
+              <a:rPr lang="en-US" sz="1600" dirty="0">
+                <a:solidFill>
+                  <a:schemeClr val="accent3">
+                    <a:lumMod val="50000"/>
+                  </a:schemeClr>
+                </a:solidFill>
+                <a:latin typeface="Times-Roman"/>
+              </a:rPr>
+              <a:t>Emerging Technologies: </a:t>
+            </a:r>
+            <a:r>
+              <a:rPr lang="en-US" sz="1800" b="0" dirty="0">
+                <a:latin typeface="Times-Roman"/>
+              </a:rPr>
+              <a:t>(SDN), Network Functions Virtualization (NFV), Content Delivery Network (CDN)</a:t>
+            </a:r>
+            <a:br>
+              <a:rPr lang="en-US" sz="1800" b="0" i="0" u="none" strike="noStrike" baseline="0" dirty="0">
+                <a:latin typeface="Times-Roman"/>
+              </a:rPr>
+            </a:br>
+            <a:endParaRPr lang="en-US" sz="1600" b="0" dirty="0">
+              <a:solidFill>
+                <a:schemeClr val="accent3">
+                  <a:lumMod val="50000"/>
+                </a:schemeClr>
+              </a:solidFill>
+              <a:latin typeface="Times-Roman"/>
+            </a:endParaRPr>
           </a:p>
         </p:txBody>
       </p:sp>
     </p:spTree>
     <p:extLst>
       <p:ext uri="{BB962C8B-B14F-4D97-AF65-F5344CB8AC3E}">
-        <p14:creationId xmlns:p14="http://schemas.microsoft.com/office/powerpoint/2010/main" val="520412419"/>
+        <p14:creationId xmlns:p14="http://schemas.microsoft.com/office/powerpoint/2010/main" val="2171944931"/>
+      </p:ext>
+    </p:extLst>
+  </p:cSld>
+  <p:clrMapOvr>
+    <a:masterClrMapping/>
+  </p:clrMapOvr>
+</p:sld>
+</file>
+
+<file path=ppt/slides/slide8.xml><?xml version="1.0" encoding="utf-8"?>
+<p:sld xmlns:a="http://schemas.openxmlformats.org/drawingml/2006/main" xmlns:r="http://schemas.openxmlformats.org/officeDocument/2006/relationships" xmlns:p="http://schemas.openxmlformats.org/presentationml/2006/main">
+  <p:cSld>
+    <p:bg>
+      <p:bgPr>
+        <a:solidFill>
+          <a:schemeClr val="bg2"/>
+        </a:solidFill>
+        <a:effectLst/>
+      </p:bgPr>
+    </p:bg>
+    <p:spTree>
+      <p:nvGrpSpPr>
+        <p:cNvPr id="1" name=""/>
+        <p:cNvGrpSpPr/>
+        <p:nvPr/>
+      </p:nvGrpSpPr>
+      <p:grpSpPr>
+        <a:xfrm>
+          <a:off x="0" y="0"/>
+          <a:ext cx="0" cy="0"/>
+          <a:chOff x="0" y="0"/>
+          <a:chExt cx="0" cy="0"/>
+        </a:xfrm>
+      </p:grpSpPr>
+      <p:sp>
+        <p:nvSpPr>
+          <p:cNvPr id="15" name="Rectangle 8">
+            <a:extLst>
+              <a:ext uri="{FF2B5EF4-FFF2-40B4-BE49-F238E27FC236}">
+                <a16:creationId xmlns:a16="http://schemas.microsoft.com/office/drawing/2014/main" id="{ADE57300-C7FF-4578-99A0-42B0295B123C}"/>
+              </a:ext>
+              <a:ext uri="{C183D7F6-B498-43B3-948B-1728B52AA6E4}">
+                <adec:decorative xmlns:adec="http://schemas.microsoft.com/office/drawing/2017/decorative" val="1"/>
+              </a:ext>
+            </a:extLst>
+          </p:cNvPr>
+          <p:cNvSpPr>
+            <a:spLocks noGrp="1" noRot="1" noChangeAspect="1" noMove="1" noResize="1" noEditPoints="1" noAdjustHandles="1" noChangeArrowheads="1" noChangeShapeType="1" noTextEdit="1"/>
+          </p:cNvSpPr>
+          <p:nvPr>
+            <p:extLst>
+              <p:ext uri="{386F3935-93C4-4BCD-93E2-E3B085C9AB24}">
+                <p16:designElem xmlns:p16="http://schemas.microsoft.com/office/powerpoint/2015/main" val="1"/>
+              </p:ext>
+            </p:extLst>
+          </p:nvPr>
+        </p:nvSpPr>
+        <p:spPr>
+          <a:xfrm>
+            <a:off x="517870" y="508090"/>
+            <a:ext cx="5021183" cy="149279"/>
+          </a:xfrm>
+          <a:prstGeom prst="rect">
+            <a:avLst/>
+          </a:prstGeom>
+          <a:solidFill>
+            <a:schemeClr val="tx1"/>
+          </a:solidFill>
+          <a:ln>
+            <a:noFill/>
+          </a:ln>
+        </p:spPr>
+        <p:style>
+          <a:lnRef idx="2">
+            <a:schemeClr val="accent1">
+              <a:shade val="50000"/>
+            </a:schemeClr>
+          </a:lnRef>
+          <a:fillRef idx="1">
+            <a:schemeClr val="accent1"/>
+          </a:fillRef>
+          <a:effectRef idx="0">
+            <a:schemeClr val="accent1"/>
+          </a:effectRef>
+          <a:fontRef idx="minor">
+            <a:schemeClr val="lt1"/>
+          </a:fontRef>
+        </p:style>
+        <p:txBody>
+          <a:bodyPr rtlCol="0" anchor="ctr"/>
+          <a:lstStyle/>
+          <a:p>
+            <a:pPr algn="ctr"/>
+            <a:endParaRPr lang="en-US"/>
+          </a:p>
+        </p:txBody>
+      </p:sp>
+      <p:sp useBgFill="1">
+        <p:nvSpPr>
+          <p:cNvPr id="16" name="Rectangle 10">
+            <a:extLst>
+              <a:ext uri="{FF2B5EF4-FFF2-40B4-BE49-F238E27FC236}">
+                <a16:creationId xmlns:a16="http://schemas.microsoft.com/office/drawing/2014/main" id="{E20BB609-EF92-42DB-836C-0699A590B5CF}"/>
+              </a:ext>
+              <a:ext uri="{C183D7F6-B498-43B3-948B-1728B52AA6E4}">
+                <adec:decorative xmlns:adec="http://schemas.microsoft.com/office/drawing/2017/decorative" val="1"/>
+              </a:ext>
+            </a:extLst>
+          </p:cNvPr>
+          <p:cNvSpPr>
+            <a:spLocks noGrp="1" noRot="1" noChangeAspect="1" noMove="1" noResize="1" noEditPoints="1" noAdjustHandles="1" noChangeArrowheads="1" noChangeShapeType="1" noTextEdit="1"/>
+          </p:cNvSpPr>
+          <p:nvPr>
+            <p:extLst>
+              <p:ext uri="{386F3935-93C4-4BCD-93E2-E3B085C9AB24}">
+                <p16:designElem xmlns:p16="http://schemas.microsoft.com/office/powerpoint/2015/main" val="1"/>
+              </p:ext>
+            </p:extLst>
+          </p:nvPr>
+        </p:nvSpPr>
+        <p:spPr>
+          <a:xfrm>
+            <a:off x="0" y="0"/>
+            <a:ext cx="12192000" cy="6858001"/>
+          </a:xfrm>
+          <a:prstGeom prst="rect">
+            <a:avLst/>
+          </a:prstGeom>
+          <a:ln>
+            <a:noFill/>
+          </a:ln>
+        </p:spPr>
+        <p:style>
+          <a:lnRef idx="2">
+            <a:schemeClr val="accent1">
+              <a:shade val="50000"/>
+            </a:schemeClr>
+          </a:lnRef>
+          <a:fillRef idx="1">
+            <a:schemeClr val="accent1"/>
+          </a:fillRef>
+          <a:effectRef idx="0">
+            <a:schemeClr val="accent1"/>
+          </a:effectRef>
+          <a:fontRef idx="minor">
+            <a:schemeClr val="lt1"/>
+          </a:fontRef>
+        </p:style>
+        <p:txBody>
+          <a:bodyPr rtlCol="0" anchor="ctr"/>
+          <a:lstStyle/>
+          <a:p>
+            <a:pPr algn="ctr"/>
+            <a:endParaRPr lang="en-US" dirty="0"/>
+          </a:p>
+        </p:txBody>
+      </p:sp>
+      <p:sp>
+        <p:nvSpPr>
+          <p:cNvPr id="17" name="Rectangle 12">
+            <a:extLst>
+              <a:ext uri="{FF2B5EF4-FFF2-40B4-BE49-F238E27FC236}">
+                <a16:creationId xmlns:a16="http://schemas.microsoft.com/office/drawing/2014/main" id="{B2C335F7-F61C-4EB4-80F2-4B1438FE66BB}"/>
+              </a:ext>
+              <a:ext uri="{C183D7F6-B498-43B3-948B-1728B52AA6E4}">
+                <adec:decorative xmlns:adec="http://schemas.microsoft.com/office/drawing/2017/decorative" val="1"/>
+              </a:ext>
+            </a:extLst>
+          </p:cNvPr>
+          <p:cNvSpPr>
+            <a:spLocks noGrp="1" noRot="1" noChangeAspect="1" noMove="1" noResize="1" noEditPoints="1" noAdjustHandles="1" noChangeArrowheads="1" noChangeShapeType="1" noTextEdit="1"/>
+          </p:cNvSpPr>
+          <p:nvPr>
+            <p:extLst>
+              <p:ext uri="{386F3935-93C4-4BCD-93E2-E3B085C9AB24}">
+                <p16:designElem xmlns:p16="http://schemas.microsoft.com/office/powerpoint/2015/main" val="1"/>
+              </p:ext>
+            </p:extLst>
+          </p:nvPr>
+        </p:nvSpPr>
+        <p:spPr>
+          <a:xfrm>
+            <a:off x="517870" y="508090"/>
+            <a:ext cx="5021183" cy="149279"/>
+          </a:xfrm>
+          <a:prstGeom prst="rect">
+            <a:avLst/>
+          </a:prstGeom>
+          <a:solidFill>
+            <a:schemeClr val="tx1"/>
+          </a:solidFill>
+          <a:ln>
+            <a:noFill/>
+          </a:ln>
+        </p:spPr>
+        <p:style>
+          <a:lnRef idx="2">
+            <a:schemeClr val="accent1">
+              <a:shade val="50000"/>
+            </a:schemeClr>
+          </a:lnRef>
+          <a:fillRef idx="1">
+            <a:schemeClr val="accent1"/>
+          </a:fillRef>
+          <a:effectRef idx="0">
+            <a:schemeClr val="accent1"/>
+          </a:effectRef>
+          <a:fontRef idx="minor">
+            <a:schemeClr val="lt1"/>
+          </a:fontRef>
+        </p:style>
+        <p:txBody>
+          <a:bodyPr rtlCol="0" anchor="ctr"/>
+          <a:lstStyle/>
+          <a:p>
+            <a:pPr algn="ctr"/>
+            <a:endParaRPr lang="en-US"/>
+          </a:p>
+        </p:txBody>
+      </p:sp>
+      <p:pic>
+        <p:nvPicPr>
+          <p:cNvPr id="4" name="Picture 3">
+            <a:extLst>
+              <a:ext uri="{FF2B5EF4-FFF2-40B4-BE49-F238E27FC236}">
+                <a16:creationId xmlns:a16="http://schemas.microsoft.com/office/drawing/2014/main" id="{42D89BFB-7C8A-48FA-A1F3-4294C5C76C05}"/>
+              </a:ext>
+            </a:extLst>
+          </p:cNvPr>
+          <p:cNvPicPr>
+            <a:picLocks noChangeAspect="1"/>
+          </p:cNvPicPr>
+          <p:nvPr/>
+        </p:nvPicPr>
+        <p:blipFill rotWithShape="1">
+          <a:blip r:embed="rId2"/>
+          <a:srcRect r="3191"/>
+          <a:stretch/>
+        </p:blipFill>
+        <p:spPr>
+          <a:xfrm>
+            <a:off x="523788" y="1545312"/>
+            <a:ext cx="10170845" cy="5042910"/>
+          </a:xfrm>
+          <a:prstGeom prst="rect">
+            <a:avLst/>
+          </a:prstGeom>
+        </p:spPr>
+      </p:pic>
+      <p:sp>
+        <p:nvSpPr>
+          <p:cNvPr id="5" name="TextBox 4">
+            <a:extLst>
+              <a:ext uri="{FF2B5EF4-FFF2-40B4-BE49-F238E27FC236}">
+                <a16:creationId xmlns:a16="http://schemas.microsoft.com/office/drawing/2014/main" id="{DEF6845F-B417-4947-8968-1886B83EBAEA}"/>
+              </a:ext>
+            </a:extLst>
+          </p:cNvPr>
+          <p:cNvSpPr txBox="1"/>
+          <p:nvPr/>
+        </p:nvSpPr>
+        <p:spPr>
+          <a:xfrm>
+            <a:off x="648069" y="657369"/>
+            <a:ext cx="7332956" cy="738664"/>
+          </a:xfrm>
+          <a:prstGeom prst="rect">
+            <a:avLst/>
+          </a:prstGeom>
+          <a:noFill/>
+        </p:spPr>
+        <p:txBody>
+          <a:bodyPr wrap="square" rtlCol="0">
+            <a:spAutoFit/>
+          </a:bodyPr>
+          <a:lstStyle/>
+          <a:p>
+            <a:r>
+              <a:rPr kumimoji="0" lang="en-US" sz="2100" b="1" i="0" u="none" strike="noStrike" kern="1200" cap="none" spc="0" normalizeH="0" baseline="0" noProof="0" dirty="0">
+                <a:ln>
+                  <a:noFill/>
+                </a:ln>
+                <a:solidFill>
+                  <a:srgbClr val="000000"/>
+                </a:solidFill>
+                <a:effectLst/>
+                <a:uLnTx/>
+                <a:uFillTx/>
+                <a:latin typeface="Bierstadt"/>
+                <a:ea typeface="+mj-ea"/>
+                <a:cs typeface="+mj-cs"/>
+              </a:rPr>
+              <a:t>- COEXISTENCE ARCHITECTURES: FEATURES AND</a:t>
+            </a:r>
+            <a:br>
+              <a:rPr kumimoji="0" lang="en-US" sz="2100" b="1" i="0" u="none" strike="noStrike" kern="1200" cap="none" spc="0" normalizeH="0" baseline="0" noProof="0" dirty="0">
+                <a:ln>
+                  <a:noFill/>
+                </a:ln>
+                <a:solidFill>
+                  <a:srgbClr val="000000"/>
+                </a:solidFill>
+                <a:effectLst/>
+                <a:uLnTx/>
+                <a:uFillTx/>
+                <a:latin typeface="Bierstadt"/>
+                <a:ea typeface="+mj-ea"/>
+                <a:cs typeface="+mj-cs"/>
+              </a:rPr>
+            </a:br>
+            <a:r>
+              <a:rPr kumimoji="0" lang="en-US" sz="2100" b="1" i="0" u="none" strike="noStrike" kern="1200" cap="none" spc="0" normalizeH="0" baseline="0" noProof="0" dirty="0">
+                <a:ln>
+                  <a:noFill/>
+                </a:ln>
+                <a:solidFill>
+                  <a:srgbClr val="000000"/>
+                </a:solidFill>
+                <a:effectLst/>
+                <a:uLnTx/>
+                <a:uFillTx/>
+                <a:latin typeface="Bierstadt"/>
+                <a:ea typeface="+mj-ea"/>
+                <a:cs typeface="+mj-cs"/>
+              </a:rPr>
+              <a:t>EVALUATION PARAMETERS</a:t>
+            </a:r>
+            <a:endParaRPr lang="en-US" dirty="0"/>
+          </a:p>
+        </p:txBody>
+      </p:sp>
+    </p:spTree>
+    <p:extLst>
+      <p:ext uri="{BB962C8B-B14F-4D97-AF65-F5344CB8AC3E}">
+        <p14:creationId xmlns:p14="http://schemas.microsoft.com/office/powerpoint/2010/main" val="251120100"/>
+      </p:ext>
+    </p:extLst>
+  </p:cSld>
+  <p:clrMapOvr>
+    <a:masterClrMapping/>
+  </p:clrMapOvr>
+</p:sld>
+</file>
+
+<file path=ppt/slides/slide9.xml><?xml version="1.0" encoding="utf-8"?>
+<p:sld xmlns:a="http://schemas.openxmlformats.org/drawingml/2006/main" xmlns:r="http://schemas.openxmlformats.org/officeDocument/2006/relationships" xmlns:p="http://schemas.openxmlformats.org/presentationml/2006/main">
+  <p:cSld>
+    <p:spTree>
+      <p:nvGrpSpPr>
+        <p:cNvPr id="1" name=""/>
+        <p:cNvGrpSpPr/>
+        <p:nvPr/>
+      </p:nvGrpSpPr>
+      <p:grpSpPr>
+        <a:xfrm>
+          <a:off x="0" y="0"/>
+          <a:ext cx="0" cy="0"/>
+          <a:chOff x="0" y="0"/>
+          <a:chExt cx="0" cy="0"/>
+        </a:xfrm>
+      </p:grpSpPr>
+      <p:sp>
+        <p:nvSpPr>
+          <p:cNvPr id="2" name="Title 1">
+            <a:extLst>
+              <a:ext uri="{FF2B5EF4-FFF2-40B4-BE49-F238E27FC236}">
+                <a16:creationId xmlns:a16="http://schemas.microsoft.com/office/drawing/2014/main" id="{F5196601-CC79-495A-8B52-422FD59B50E0}"/>
+              </a:ext>
+            </a:extLst>
+          </p:cNvPr>
+          <p:cNvSpPr>
+            <a:spLocks noGrp="1"/>
+          </p:cNvSpPr>
+          <p:nvPr>
+            <p:ph type="title"/>
+          </p:nvPr>
+        </p:nvSpPr>
+        <p:spPr>
+          <a:xfrm>
+            <a:off x="517869" y="978408"/>
+            <a:ext cx="11174022" cy="5741988"/>
+          </a:xfrm>
+        </p:spPr>
+        <p:txBody>
+          <a:bodyPr>
+            <a:normAutofit fontScale="90000"/>
+          </a:bodyPr>
+          <a:lstStyle/>
+          <a:p>
+            <a:pPr algn="l"/>
+            <a:r>
+              <a:rPr lang="en-US" sz="2300" dirty="0"/>
+              <a:t>- COEXISTENCE ARCHITECTURES: FEATURES AND</a:t>
+            </a:r>
+            <a:br>
+              <a:rPr lang="en-US" sz="2300" dirty="0"/>
+            </a:br>
+            <a:r>
+              <a:rPr lang="en-US" sz="2300" dirty="0"/>
+              <a:t>EVALUATION PARAMETERS</a:t>
+            </a:r>
+            <a:br>
+              <a:rPr lang="en-US" sz="2300" dirty="0"/>
+            </a:br>
+            <a:br>
+              <a:rPr lang="en-US" sz="2300" dirty="0"/>
+            </a:br>
+            <a:r>
+              <a:rPr lang="en-US" sz="1600" b="0" dirty="0">
+                <a:latin typeface="Times-Roman"/>
+              </a:rPr>
+              <a:t>-  </a:t>
+            </a:r>
+            <a:r>
+              <a:rPr lang="en-US" sz="1600" b="0" dirty="0">
+                <a:solidFill>
+                  <a:schemeClr val="accent3">
+                    <a:lumMod val="50000"/>
+                  </a:schemeClr>
+                </a:solidFill>
+                <a:latin typeface="Times-Roman"/>
+              </a:rPr>
+              <a:t>1) Deployment Approaches: </a:t>
+            </a:r>
+            <a:r>
+              <a:rPr lang="en-US" sz="1800" b="0" i="0" u="none" strike="noStrike" baseline="0" dirty="0">
+                <a:latin typeface="Times-Roman"/>
+              </a:rPr>
+              <a:t>overlay in case of ICN running on top of the IP protocol IP “ocean”, underlay in case of ICN  running under the IP protocol IP “islands”, and hybrid in case of a coexistence of both IP and ICN protocols</a:t>
+            </a:r>
+            <a:br>
+              <a:rPr lang="en-US" sz="1800" b="0" i="0" u="none" strike="noStrike" baseline="0" dirty="0">
+                <a:latin typeface="Times-Roman"/>
+              </a:rPr>
+            </a:br>
+            <a:br>
+              <a:rPr lang="en-US" sz="1800" b="0" i="0" u="none" strike="noStrike" baseline="0" dirty="0">
+                <a:latin typeface="Times-Roman"/>
+              </a:rPr>
+            </a:br>
+            <a:r>
+              <a:rPr lang="en-US" sz="1800" b="0" i="0" u="none" strike="noStrike" baseline="0" dirty="0">
+                <a:latin typeface="Times-Roman"/>
+              </a:rPr>
+              <a:t> the hybrid approach claims the coexistence of both ICN and IP, by adopting dual stack nodes able to handle the</a:t>
+            </a:r>
+            <a:br>
+              <a:rPr lang="en-US" sz="1800" b="0" i="0" u="none" strike="noStrike" baseline="0" dirty="0">
+                <a:latin typeface="Times-Roman"/>
+              </a:rPr>
+            </a:br>
+            <a:r>
+              <a:rPr lang="en-US" sz="1800" b="0" i="0" u="none" strike="noStrike" baseline="0" dirty="0">
+                <a:latin typeface="Times-Roman"/>
+              </a:rPr>
+              <a:t>  semantics of both IP and ICN packets</a:t>
+            </a:r>
+            <a:br>
+              <a:rPr lang="en-US" sz="1800" b="0" i="0" u="none" strike="noStrike" baseline="0" dirty="0">
+                <a:latin typeface="Times-Roman"/>
+              </a:rPr>
+            </a:br>
+            <a:br>
+              <a:rPr lang="en-US" sz="1800" b="0" i="0" u="none" strike="noStrike" baseline="0" dirty="0">
+                <a:latin typeface="Times-Roman"/>
+              </a:rPr>
+            </a:br>
+            <a:r>
+              <a:rPr lang="en-US" sz="1800" b="0" i="0" u="none" strike="noStrike" baseline="0" dirty="0">
+                <a:latin typeface="Times-Roman"/>
+              </a:rPr>
+              <a:t>a </a:t>
+            </a:r>
+            <a:r>
+              <a:rPr lang="en-US" sz="1800" b="0" i="0" u="none" strike="noStrike" baseline="0" dirty="0">
+                <a:solidFill>
+                  <a:srgbClr val="FF0000"/>
+                </a:solidFill>
+                <a:latin typeface="Times-Roman"/>
+              </a:rPr>
+              <a:t>dual stack </a:t>
+            </a:r>
+            <a:r>
+              <a:rPr lang="en-US" sz="1800" b="0" i="0" u="none" strike="noStrike" baseline="0" dirty="0">
+                <a:latin typeface="Times-Roman"/>
+              </a:rPr>
+              <a:t>node can use various options to infer content names from an IP packet, such as performing deep packet inspection</a:t>
+            </a:r>
+            <a:br>
+              <a:rPr lang="en-US" sz="1800" b="0" i="0" u="none" strike="noStrike" baseline="0" dirty="0">
+                <a:latin typeface="Times-Roman"/>
+              </a:rPr>
+            </a:br>
+            <a:r>
+              <a:rPr lang="en-US" sz="1800" b="0" i="0" u="none" strike="noStrike" baseline="0" dirty="0">
+                <a:latin typeface="Times-Roman"/>
+              </a:rPr>
+              <a:t>in the payload or looking into the content name in the IP option header.</a:t>
+            </a:r>
+            <a:br>
+              <a:rPr lang="en-US" sz="1800" b="0" i="0" u="none" strike="noStrike" baseline="0" dirty="0">
+                <a:latin typeface="Times-Roman"/>
+              </a:rPr>
+            </a:br>
+            <a:br>
+              <a:rPr lang="en-US" sz="1800" b="0" i="0" u="none" strike="noStrike" baseline="0" dirty="0">
+                <a:latin typeface="Times-Roman"/>
+              </a:rPr>
+            </a:br>
+            <a:r>
+              <a:rPr lang="en-US" sz="1800" b="0" i="0" u="none" strike="noStrike" baseline="0" dirty="0">
+                <a:latin typeface="Times-Roman"/>
+              </a:rPr>
+              <a:t>-  </a:t>
+            </a:r>
+            <a:r>
+              <a:rPr lang="en-US" sz="1600" b="0" i="0" u="none" strike="noStrike" baseline="0" dirty="0">
+                <a:solidFill>
+                  <a:schemeClr val="accent3">
+                    <a:lumMod val="50000"/>
+                  </a:schemeClr>
+                </a:solidFill>
+                <a:latin typeface="Times-Roman"/>
+              </a:rPr>
+              <a:t>2) Deployment Scenarios: </a:t>
+            </a:r>
+            <a:r>
+              <a:rPr lang="en-US" sz="1600" b="0" i="0" u="none" strike="noStrike" baseline="0" dirty="0">
+                <a:latin typeface="Times-Roman"/>
+              </a:rPr>
+              <a:t>Each</a:t>
+            </a:r>
+            <a:r>
+              <a:rPr lang="en-US" sz="1800" b="0" i="0" u="none" strike="noStrike" baseline="0" dirty="0">
+                <a:latin typeface="Times-Roman"/>
+              </a:rPr>
+              <a:t> deployment scenario involves two “islands”, which run either the same networking architecture or two separate ones, surrounded by an ICN or an IP “ocean”.</a:t>
+            </a:r>
+            <a:br>
+              <a:rPr lang="en-US" sz="1800" b="0" i="0" u="none" strike="noStrike" baseline="0" dirty="0">
+                <a:latin typeface="Times-Roman"/>
+              </a:rPr>
+            </a:br>
+            <a:br>
+              <a:rPr lang="en-US" sz="1800" b="0" i="0" u="none" strike="noStrike" baseline="0" dirty="0">
+                <a:latin typeface="Times-Roman"/>
+              </a:rPr>
+            </a:br>
+            <a:r>
+              <a:rPr lang="en-US" sz="1800" b="0" i="1" u="none" strike="noStrike" baseline="0" dirty="0">
+                <a:latin typeface="CMSY8"/>
+              </a:rPr>
+              <a:t>• </a:t>
+            </a:r>
+            <a:r>
+              <a:rPr lang="en-US" sz="1800" b="0" i="1" u="none" strike="noStrike" baseline="0" dirty="0">
+                <a:latin typeface="Times-Italic"/>
+              </a:rPr>
+              <a:t>ICN-ICN communication in IP “ocean”</a:t>
+            </a:r>
+            <a:r>
+              <a:rPr lang="en-US" sz="1800" b="0" i="0" u="none" strike="noStrike" baseline="0" dirty="0">
+                <a:latin typeface="Times-Roman"/>
+              </a:rPr>
+              <a:t>.</a:t>
+            </a:r>
+            <a:br>
+              <a:rPr lang="en-US" sz="1800" b="0" i="0" u="none" strike="noStrike" baseline="0" dirty="0">
+                <a:latin typeface="Times-Roman"/>
+              </a:rPr>
+            </a:br>
+            <a:r>
+              <a:rPr lang="en-US" sz="1800" b="0" i="1" u="none" strike="noStrike" baseline="0" dirty="0">
+                <a:latin typeface="CMSY8"/>
+              </a:rPr>
+              <a:t>• </a:t>
+            </a:r>
+            <a:r>
+              <a:rPr lang="en-US" sz="1800" b="0" i="1" u="none" strike="noStrike" baseline="0" dirty="0">
+                <a:latin typeface="Times-Italic"/>
+              </a:rPr>
+              <a:t>ICN-IP communication in IP “ocean”</a:t>
+            </a:r>
+            <a:r>
+              <a:rPr lang="en-US" sz="1800" b="0" i="0" u="none" strike="noStrike" baseline="0" dirty="0">
+                <a:latin typeface="Times-Roman"/>
+              </a:rPr>
+              <a:t>.</a:t>
+            </a:r>
+            <a:br>
+              <a:rPr lang="en-US" sz="1800" b="0" i="0" u="none" strike="noStrike" baseline="0" dirty="0">
+                <a:latin typeface="Times-Roman"/>
+              </a:rPr>
+            </a:br>
+            <a:r>
+              <a:rPr lang="en-US" sz="1800" b="0" i="1" u="none" strike="noStrike" baseline="0" dirty="0">
+                <a:latin typeface="CMSY8"/>
+              </a:rPr>
+              <a:t>• </a:t>
+            </a:r>
+            <a:r>
+              <a:rPr lang="en-US" sz="1800" b="0" i="1" u="none" strike="noStrike" baseline="0" dirty="0">
+                <a:latin typeface="Times-Italic"/>
+              </a:rPr>
+              <a:t>ICN-IP communication in ICN “ocean”</a:t>
+            </a:r>
+            <a:r>
+              <a:rPr lang="en-US" sz="1800" b="0" i="0" u="none" strike="noStrike" baseline="0" dirty="0">
+                <a:latin typeface="Times-Roman"/>
+              </a:rPr>
+              <a:t>.</a:t>
+            </a:r>
+            <a:br>
+              <a:rPr lang="en-US" sz="1800" b="0" i="0" u="none" strike="noStrike" baseline="0" dirty="0">
+                <a:latin typeface="Times-Roman"/>
+              </a:rPr>
+            </a:br>
+            <a:r>
+              <a:rPr lang="en-US" sz="1800" b="0" i="1" u="none" strike="noStrike" baseline="0" dirty="0">
+                <a:latin typeface="CMSY8"/>
+              </a:rPr>
+              <a:t>• </a:t>
+            </a:r>
+            <a:r>
+              <a:rPr lang="en-US" sz="1800" b="0" i="1" u="none" strike="noStrike" baseline="0" dirty="0">
+                <a:latin typeface="Times-Italic"/>
+              </a:rPr>
+              <a:t>IP-IP communication in ICN “ocean”</a:t>
+            </a:r>
+            <a:r>
+              <a:rPr lang="en-US" sz="1800" b="0" i="0" u="none" strike="noStrike" baseline="0" dirty="0">
+                <a:latin typeface="Times-Roman"/>
+              </a:rPr>
+              <a:t>.</a:t>
+            </a:r>
+            <a:br>
+              <a:rPr lang="en-US" sz="1800" b="0" i="0" u="none" strike="noStrike" baseline="0" dirty="0">
+                <a:latin typeface="Times-Roman"/>
+              </a:rPr>
+            </a:br>
+            <a:r>
+              <a:rPr lang="en-US" sz="1800" b="0" i="1" u="none" strike="noStrike" baseline="0" dirty="0">
+                <a:latin typeface="CMSY8"/>
+              </a:rPr>
+              <a:t>• </a:t>
+            </a:r>
+            <a:r>
+              <a:rPr lang="en-US" sz="1800" b="0" i="1" u="none" strike="noStrike" baseline="0" dirty="0">
+                <a:latin typeface="Times-Italic"/>
+              </a:rPr>
+              <a:t>Border Island </a:t>
+            </a:r>
+            <a:r>
+              <a:rPr lang="en-US" sz="1800" b="0" i="0" u="none" strike="noStrike" baseline="0" dirty="0">
+                <a:latin typeface="Times-Roman"/>
+              </a:rPr>
+              <a:t>- communication between different</a:t>
+            </a:r>
+            <a:br>
+              <a:rPr lang="en-US" sz="1800" b="0" i="0" u="none" strike="noStrike" baseline="0" dirty="0">
+                <a:latin typeface="Times-Roman"/>
+              </a:rPr>
+            </a:br>
+            <a:r>
+              <a:rPr lang="en-US" sz="1800" b="0" i="0" u="none" strike="noStrike" baseline="0" dirty="0">
+                <a:latin typeface="Times-Roman"/>
+              </a:rPr>
+              <a:t>“islands” in separate “oceans”.</a:t>
+            </a:r>
+            <a:br>
+              <a:rPr lang="en-US" sz="1800" b="0" i="0" u="none" strike="noStrike" baseline="0" dirty="0">
+                <a:latin typeface="Times-Roman"/>
+              </a:rPr>
+            </a:br>
+            <a:br>
+              <a:rPr lang="en-US" sz="1800" b="0" i="0" u="none" strike="noStrike" baseline="0" dirty="0">
+                <a:latin typeface="Times-Roman"/>
+              </a:rPr>
+            </a:br>
+            <a:br>
+              <a:rPr lang="en-US" sz="1800" b="0" i="0" u="none" strike="noStrike" baseline="0" dirty="0">
+                <a:latin typeface="Times-Roman"/>
+              </a:rPr>
+            </a:br>
+            <a:br>
+              <a:rPr lang="en-US" sz="1800" b="0" i="0" u="none" strike="noStrike" baseline="0" dirty="0">
+                <a:latin typeface="Times-Roman"/>
+              </a:rPr>
+            </a:br>
+            <a:br>
+              <a:rPr lang="en-US" sz="1800" b="0" i="0" u="none" strike="noStrike" baseline="0" dirty="0">
+                <a:latin typeface="Times-Roman"/>
+              </a:rPr>
+            </a:br>
+            <a:endParaRPr lang="en-US" sz="1600" b="0" dirty="0">
+              <a:solidFill>
+                <a:schemeClr val="accent3">
+                  <a:lumMod val="50000"/>
+                </a:schemeClr>
+              </a:solidFill>
+              <a:latin typeface="Times-Roman"/>
+            </a:endParaRPr>
+          </a:p>
+        </p:txBody>
+      </p:sp>
+      <p:pic>
+        <p:nvPicPr>
+          <p:cNvPr id="4" name="Picture 3">
+            <a:extLst>
+              <a:ext uri="{FF2B5EF4-FFF2-40B4-BE49-F238E27FC236}">
+                <a16:creationId xmlns:a16="http://schemas.microsoft.com/office/drawing/2014/main" id="{FDD1A2F3-5617-4609-95F7-4782CB75D55B}"/>
+              </a:ext>
+            </a:extLst>
+          </p:cNvPr>
+          <p:cNvPicPr>
+            <a:picLocks noChangeAspect="1"/>
+          </p:cNvPicPr>
+          <p:nvPr/>
+        </p:nvPicPr>
+        <p:blipFill>
+          <a:blip r:embed="rId2"/>
+          <a:stretch>
+            <a:fillRect/>
+          </a:stretch>
+        </p:blipFill>
+        <p:spPr>
+          <a:xfrm>
+            <a:off x="6096000" y="4429343"/>
+            <a:ext cx="5488713" cy="2206160"/>
+          </a:xfrm>
+          <a:prstGeom prst="rect">
+            <a:avLst/>
+          </a:prstGeom>
+        </p:spPr>
+      </p:pic>
+    </p:spTree>
+    <p:extLst>
+      <p:ext uri="{BB962C8B-B14F-4D97-AF65-F5344CB8AC3E}">
+        <p14:creationId xmlns:p14="http://schemas.microsoft.com/office/powerpoint/2010/main" val="2758647152"/>
       </p:ext>
     </p:extLst>
   </p:cSld>
